--- a/conclusion des Poc RPA V64.pptx
+++ b/conclusion des Poc RPA V64.pptx
@@ -6,10 +6,10 @@
     <p:sldMasterId id="2147483674" r:id="rId2"/>
   </p:sldMasterIdLst>
   <p:notesMasterIdLst>
-    <p:notesMasterId r:id="rId29"/>
+    <p:notesMasterId r:id="rId31"/>
   </p:notesMasterIdLst>
   <p:handoutMasterIdLst>
-    <p:handoutMasterId r:id="rId30"/>
+    <p:handoutMasterId r:id="rId32"/>
   </p:handoutMasterIdLst>
   <p:sldIdLst>
     <p:sldId id="256" r:id="rId3"/>
@@ -17,27 +17,29 @@
     <p:sldId id="289" r:id="rId5"/>
     <p:sldId id="287" r:id="rId6"/>
     <p:sldId id="288" r:id="rId7"/>
-    <p:sldId id="290" r:id="rId8"/>
-    <p:sldId id="258" r:id="rId9"/>
-    <p:sldId id="291" r:id="rId10"/>
-    <p:sldId id="292" r:id="rId11"/>
-    <p:sldId id="286" r:id="rId12"/>
-    <p:sldId id="293" r:id="rId13"/>
-    <p:sldId id="262" r:id="rId14"/>
-    <p:sldId id="264" r:id="rId15"/>
-    <p:sldId id="263" r:id="rId16"/>
-    <p:sldId id="265" r:id="rId17"/>
-    <p:sldId id="266" r:id="rId18"/>
-    <p:sldId id="272" r:id="rId19"/>
-    <p:sldId id="278" r:id="rId20"/>
-    <p:sldId id="273" r:id="rId21"/>
-    <p:sldId id="279" r:id="rId22"/>
-    <p:sldId id="284" r:id="rId23"/>
-    <p:sldId id="285" r:id="rId24"/>
-    <p:sldId id="294" r:id="rId25"/>
-    <p:sldId id="295" r:id="rId26"/>
-    <p:sldId id="296" r:id="rId27"/>
-    <p:sldId id="297" r:id="rId28"/>
+    <p:sldId id="298" r:id="rId8"/>
+    <p:sldId id="290" r:id="rId9"/>
+    <p:sldId id="258" r:id="rId10"/>
+    <p:sldId id="291" r:id="rId11"/>
+    <p:sldId id="292" r:id="rId12"/>
+    <p:sldId id="286" r:id="rId13"/>
+    <p:sldId id="293" r:id="rId14"/>
+    <p:sldId id="262" r:id="rId15"/>
+    <p:sldId id="264" r:id="rId16"/>
+    <p:sldId id="263" r:id="rId17"/>
+    <p:sldId id="265" r:id="rId18"/>
+    <p:sldId id="266" r:id="rId19"/>
+    <p:sldId id="272" r:id="rId20"/>
+    <p:sldId id="278" r:id="rId21"/>
+    <p:sldId id="273" r:id="rId22"/>
+    <p:sldId id="279" r:id="rId23"/>
+    <p:sldId id="284" r:id="rId24"/>
+    <p:sldId id="285" r:id="rId25"/>
+    <p:sldId id="294" r:id="rId26"/>
+    <p:sldId id="295" r:id="rId27"/>
+    <p:sldId id="296" r:id="rId28"/>
+    <p:sldId id="297" r:id="rId29"/>
+    <p:sldId id="299" r:id="rId30"/>
   </p:sldIdLst>
   <p:sldSz cx="9144000" cy="6858000" type="screen4x3"/>
   <p:notesSz cx="6797675" cy="9926638"/>
@@ -421,11 +423,11 @@
           <c:showPercent val="0"/>
           <c:showBubbleSize val="0"/>
         </c:dLbls>
-        <c:axId val="50546176"/>
-        <c:axId val="50547712"/>
+        <c:axId val="36601216"/>
+        <c:axId val="36775040"/>
       </c:radarChart>
       <c:catAx>
-        <c:axId val="50546176"/>
+        <c:axId val="36601216"/>
         <c:scaling>
           <c:orientation val="minMax"/>
         </c:scaling>
@@ -441,7 +443,7 @@
             <a:noFill/>
           </a:ln>
         </c:spPr>
-        <c:crossAx val="50547712"/>
+        <c:crossAx val="36775040"/>
         <c:crosses val="autoZero"/>
         <c:auto val="1"/>
         <c:lblAlgn val="ctr"/>
@@ -449,7 +451,7 @@
         <c:noMultiLvlLbl val="0"/>
       </c:catAx>
       <c:valAx>
-        <c:axId val="50547712"/>
+        <c:axId val="36775040"/>
         <c:scaling>
           <c:orientation val="minMax"/>
         </c:scaling>
@@ -460,7 +462,7 @@
         <c:majorTickMark val="out"/>
         <c:minorTickMark val="none"/>
         <c:tickLblPos val="nextTo"/>
-        <c:crossAx val="50546176"/>
+        <c:crossAx val="36601216"/>
         <c:crosses val="autoZero"/>
         <c:crossBetween val="between"/>
       </c:valAx>
@@ -710,11 +712,11 @@
           <c:showPercent val="0"/>
           <c:showBubbleSize val="0"/>
         </c:dLbls>
-        <c:axId val="53312512"/>
-        <c:axId val="53322496"/>
+        <c:axId val="36848384"/>
+        <c:axId val="36849920"/>
       </c:radarChart>
       <c:catAx>
-        <c:axId val="53312512"/>
+        <c:axId val="36848384"/>
         <c:scaling>
           <c:orientation val="minMax"/>
         </c:scaling>
@@ -730,7 +732,7 @@
             <a:noFill/>
           </a:ln>
         </c:spPr>
-        <c:crossAx val="53322496"/>
+        <c:crossAx val="36849920"/>
         <c:crosses val="autoZero"/>
         <c:auto val="1"/>
         <c:lblAlgn val="ctr"/>
@@ -738,7 +740,7 @@
         <c:noMultiLvlLbl val="0"/>
       </c:catAx>
       <c:valAx>
-        <c:axId val="53322496"/>
+        <c:axId val="36849920"/>
         <c:scaling>
           <c:orientation val="minMax"/>
         </c:scaling>
@@ -749,7 +751,7 @@
         <c:majorTickMark val="out"/>
         <c:minorTickMark val="none"/>
         <c:tickLblPos val="nextTo"/>
-        <c:crossAx val="53312512"/>
+        <c:crossAx val="36848384"/>
         <c:crosses val="autoZero"/>
         <c:crossBetween val="between"/>
       </c:valAx>
@@ -973,11 +975,11 @@
           <c:showPercent val="0"/>
           <c:showBubbleSize val="0"/>
         </c:dLbls>
-        <c:axId val="53031680"/>
-        <c:axId val="53033216"/>
+        <c:axId val="37308672"/>
+        <c:axId val="40570880"/>
       </c:radarChart>
       <c:catAx>
-        <c:axId val="53031680"/>
+        <c:axId val="37308672"/>
         <c:scaling>
           <c:orientation val="minMax"/>
         </c:scaling>
@@ -993,7 +995,7 @@
             <a:noFill/>
           </a:ln>
         </c:spPr>
-        <c:crossAx val="53033216"/>
+        <c:crossAx val="40570880"/>
         <c:crosses val="autoZero"/>
         <c:auto val="1"/>
         <c:lblAlgn val="ctr"/>
@@ -1001,7 +1003,7 @@
         <c:noMultiLvlLbl val="0"/>
       </c:catAx>
       <c:valAx>
-        <c:axId val="53033216"/>
+        <c:axId val="40570880"/>
         <c:scaling>
           <c:orientation val="minMax"/>
         </c:scaling>
@@ -1012,7 +1014,7 @@
         <c:majorTickMark val="out"/>
         <c:minorTickMark val="none"/>
         <c:tickLblPos val="nextTo"/>
-        <c:crossAx val="53031680"/>
+        <c:crossAx val="37308672"/>
         <c:crosses val="autoZero"/>
         <c:crossBetween val="between"/>
       </c:valAx>
@@ -1287,11 +1289,11 @@
           <c:showPercent val="0"/>
           <c:showBubbleSize val="0"/>
         </c:dLbls>
-        <c:axId val="53086080"/>
-        <c:axId val="53087616"/>
+        <c:axId val="40660352"/>
+        <c:axId val="40674432"/>
       </c:radarChart>
       <c:catAx>
-        <c:axId val="53086080"/>
+        <c:axId val="40660352"/>
         <c:scaling>
           <c:orientation val="minMax"/>
         </c:scaling>
@@ -1302,7 +1304,7 @@
         <c:majorTickMark val="out"/>
         <c:minorTickMark val="none"/>
         <c:tickLblPos val="nextTo"/>
-        <c:crossAx val="53087616"/>
+        <c:crossAx val="40674432"/>
         <c:crosses val="autoZero"/>
         <c:auto val="1"/>
         <c:lblAlgn val="ctr"/>
@@ -1310,7 +1312,7 @@
         <c:noMultiLvlLbl val="0"/>
       </c:catAx>
       <c:valAx>
-        <c:axId val="53087616"/>
+        <c:axId val="40674432"/>
         <c:scaling>
           <c:orientation val="minMax"/>
         </c:scaling>
@@ -1321,7 +1323,7 @@
         <c:majorTickMark val="cross"/>
         <c:minorTickMark val="none"/>
         <c:tickLblPos val="nextTo"/>
-        <c:crossAx val="53086080"/>
+        <c:crossAx val="40660352"/>
         <c:crosses val="autoZero"/>
         <c:crossBetween val="between"/>
       </c:valAx>
@@ -1598,11 +1600,11 @@
           <c:showPercent val="0"/>
           <c:showBubbleSize val="0"/>
         </c:dLbls>
-        <c:axId val="53394816"/>
-        <c:axId val="53400704"/>
+        <c:axId val="41067648"/>
+        <c:axId val="41069184"/>
       </c:radarChart>
       <c:catAx>
-        <c:axId val="53394816"/>
+        <c:axId val="41067648"/>
         <c:scaling>
           <c:orientation val="minMax"/>
         </c:scaling>
@@ -1613,7 +1615,7 @@
         <c:majorTickMark val="out"/>
         <c:minorTickMark val="none"/>
         <c:tickLblPos val="nextTo"/>
-        <c:crossAx val="53400704"/>
+        <c:crossAx val="41069184"/>
         <c:crosses val="autoZero"/>
         <c:auto val="1"/>
         <c:lblAlgn val="ctr"/>
@@ -1621,7 +1623,7 @@
         <c:noMultiLvlLbl val="0"/>
       </c:catAx>
       <c:valAx>
-        <c:axId val="53400704"/>
+        <c:axId val="41069184"/>
         <c:scaling>
           <c:orientation val="minMax"/>
         </c:scaling>
@@ -1632,7 +1634,7 @@
         <c:majorTickMark val="cross"/>
         <c:minorTickMark val="none"/>
         <c:tickLblPos val="nextTo"/>
-        <c:crossAx val="53394816"/>
+        <c:crossAx val="41067648"/>
         <c:crosses val="autoZero"/>
         <c:crossBetween val="between"/>
       </c:valAx>
@@ -5146,7 +5148,7 @@
           <a:p>
             <a:fld id="{74B3D995-24D2-4717-AAB0-89A62AA912FF}" type="datetimeFigureOut">
               <a:rPr lang="fr-FR" smtClean="0"/>
-              <a:t>22/01/2018</a:t>
+              <a:t>23/01/2018</a:t>
             </a:fld>
             <a:endParaRPr lang="fr-FR"/>
           </a:p>
@@ -5311,7 +5313,7 @@
           <a:p>
             <a:fld id="{F0670AED-946E-44D2-A032-CDF02AE4ACB4}" type="datetimeFigureOut">
               <a:rPr lang="en-US" smtClean="0"/>
-              <a:t>1/22/2018</a:t>
+              <a:t>1/23/2018</a:t>
             </a:fld>
             <a:endParaRPr lang="en-US"/>
           </a:p>
@@ -5728,7 +5730,7 @@
           <a:p>
             <a:fld id="{62DF768D-52CF-4E6A-BCFF-5FAF889F6E11}" type="slidenum">
               <a:rPr lang="en-US" smtClean="0"/>
-              <a:t>7</a:t>
+              <a:t>8</a:t>
             </a:fld>
             <a:endParaRPr lang="en-US"/>
           </a:p>
@@ -11972,7 +11974,7 @@
           <a:graphicData uri="http://schemas.openxmlformats.org/presentationml/2006/ole">
             <mc:AlternateContent xmlns:mc="http://schemas.openxmlformats.org/markup-compatibility/2006">
               <mc:Choice xmlns:v="urn:schemas-microsoft-com:vml" Requires="v">
-                <p:oleObj spid="_x0000_s1067" name="think-cell Slide" r:id="rId17" imgW="360" imgH="360" progId="TCLayout.ActiveDocument.1">
+                <p:oleObj spid="_x0000_s1071" name="think-cell Slide" r:id="rId17" imgW="360" imgH="360" progId="TCLayout.ActiveDocument.1">
                   <p:embed/>
                 </p:oleObj>
               </mc:Choice>
@@ -12771,7 +12773,7 @@
           <a:graphicData uri="http://schemas.openxmlformats.org/presentationml/2006/ole">
             <mc:AlternateContent xmlns:mc="http://schemas.openxmlformats.org/markup-compatibility/2006">
               <mc:Choice xmlns:v="urn:schemas-microsoft-com:vml" Requires="v">
-                <p:oleObj spid="_x0000_s2088" name="think-cell Slide" r:id="rId16" imgW="360" imgH="360" progId="TCLayout.ActiveDocument.1">
+                <p:oleObj spid="_x0000_s2092" name="think-cell Slide" r:id="rId16" imgW="360" imgH="360" progId="TCLayout.ActiveDocument.1">
                   <p:embed/>
                 </p:oleObj>
               </mc:Choice>
@@ -13723,7 +13725,7 @@
           <a:p>
             <a:r>
               <a:rPr lang="fr-FR" dirty="0" smtClean="0"/>
-              <a:t>5. Principaux Outils du marchés</a:t>
+              <a:t>4. Cas d’utilisation</a:t>
             </a:r>
             <a:endParaRPr lang="fr-FR" dirty="0"/>
           </a:p>
@@ -13744,271 +13746,269 @@
           <a:bodyPr/>
           <a:lstStyle/>
           <a:p>
-            <a:pPr marL="0" indent="0"/>
-            <a:r>
-              <a:rPr lang="fr-FR" sz="2000" b="1" dirty="0"/>
-              <a:t>Les principaux outils du marchés </a:t>
-            </a:r>
-            <a:r>
-              <a:rPr lang="fr-FR" sz="2000" b="1" dirty="0" smtClean="0"/>
-              <a:t>:</a:t>
-            </a:r>
-          </a:p>
-          <a:p>
-            <a:pPr lvl="1">
+            <a:pPr marL="285750" indent="-285750">
               <a:buFont typeface="Arial" panose="020B0604020202020204" pitchFamily="34" charset="0"/>
               <a:buChar char="•"/>
             </a:pPr>
             <a:r>
-              <a:rPr lang="fr-FR" sz="2000" b="0" dirty="0">
-                <a:solidFill>
-                  <a:schemeClr val="tx1"/>
-                </a:solidFill>
-                <a:ea typeface="+mn-ea"/>
-                <a:cs typeface="+mn-cs"/>
-              </a:rPr>
-              <a:t>Automation </a:t>
-            </a:r>
-            <a:r>
-              <a:rPr lang="fr-FR" sz="2000" b="0" dirty="0" err="1">
-                <a:solidFill>
-                  <a:schemeClr val="tx1"/>
-                </a:solidFill>
-                <a:ea typeface="+mn-ea"/>
-                <a:cs typeface="+mn-cs"/>
-              </a:rPr>
-              <a:t>Anywhere</a:t>
-            </a:r>
-            <a:r>
-              <a:rPr lang="fr-FR" sz="2000" b="0" dirty="0">
-                <a:solidFill>
-                  <a:schemeClr val="tx1"/>
-                </a:solidFill>
-                <a:ea typeface="+mn-ea"/>
-                <a:cs typeface="+mn-cs"/>
-              </a:rPr>
-              <a:t> (AA)</a:t>
-            </a:r>
-          </a:p>
-          <a:p>
-            <a:pPr lvl="1">
+              <a:rPr lang="fr-FR" b="1" dirty="0"/>
+              <a:t>Synchronisation </a:t>
+            </a:r>
+            <a:r>
+              <a:rPr lang="fr-FR" b="1" dirty="0" smtClean="0"/>
+              <a:t>entre métiers Front Office – Back Office</a:t>
+            </a:r>
+            <a:endParaRPr lang="fr-FR" b="1" dirty="0"/>
+          </a:p>
+          <a:p>
+            <a:pPr lvl="2">
+              <a:buClr>
+                <a:schemeClr val="accent1"/>
+              </a:buClr>
               <a:buFont typeface="Arial" panose="020B0604020202020204" pitchFamily="34" charset="0"/>
               <a:buChar char="•"/>
             </a:pPr>
             <a:r>
-              <a:rPr lang="fr-FR" sz="2000" b="0" dirty="0" err="1">
+              <a:rPr lang="fr-FR" sz="1050" dirty="0">
                 <a:solidFill>
                   <a:schemeClr val="tx1"/>
                 </a:solidFill>
-                <a:ea typeface="+mn-ea"/>
-                <a:cs typeface="+mn-cs"/>
               </a:rPr>
-              <a:t>UiPath</a:t>
-            </a:r>
-            <a:endParaRPr lang="fr-FR" sz="2000" b="0" dirty="0">
-              <a:solidFill>
-                <a:schemeClr val="tx1"/>
-              </a:solidFill>
-              <a:ea typeface="+mn-ea"/>
-              <a:cs typeface="+mn-cs"/>
-            </a:endParaRPr>
-          </a:p>
-          <a:p>
-            <a:pPr lvl="1">
+              <a:t>Capacité à mener des processus Front-to-Back, entre silos applicatifs, avec vitesse et rigueur</a:t>
+            </a:r>
+          </a:p>
+          <a:p>
+            <a:pPr marL="171450" indent="-171450">
+              <a:buClr>
+                <a:schemeClr val="accent1"/>
+              </a:buClr>
               <a:buFont typeface="Arial" panose="020B0604020202020204" pitchFamily="34" charset="0"/>
               <a:buChar char="•"/>
             </a:pPr>
-            <a:r>
-              <a:rPr lang="fr-FR" sz="2000" b="0" dirty="0">
-                <a:solidFill>
-                  <a:schemeClr val="tx1"/>
-                </a:solidFill>
-                <a:ea typeface="+mn-ea"/>
-                <a:cs typeface="+mn-cs"/>
-              </a:rPr>
-              <a:t>Nice</a:t>
-            </a:r>
-          </a:p>
-          <a:p>
-            <a:pPr lvl="1">
+            <a:endParaRPr lang="fr-FR" sz="1050" dirty="0"/>
+          </a:p>
+          <a:p>
+            <a:pPr marL="285750" indent="-285750">
               <a:buFont typeface="Arial" panose="020B0604020202020204" pitchFamily="34" charset="0"/>
               <a:buChar char="•"/>
             </a:pPr>
             <a:r>
-              <a:rPr lang="fr-FR" sz="2000" b="0" dirty="0" err="1" smtClean="0">
-                <a:solidFill>
-                  <a:schemeClr val="tx1"/>
-                </a:solidFill>
-                <a:ea typeface="+mn-ea"/>
-                <a:cs typeface="+mn-cs"/>
-              </a:rPr>
-              <a:t>BluePrism</a:t>
-            </a:r>
-            <a:r>
-              <a:rPr lang="fr-FR" sz="2000" b="0" dirty="0" smtClean="0">
-                <a:solidFill>
-                  <a:schemeClr val="tx1"/>
-                </a:solidFill>
-                <a:ea typeface="+mn-ea"/>
-                <a:cs typeface="+mn-cs"/>
-              </a:rPr>
-              <a:t>*</a:t>
-            </a:r>
-          </a:p>
-          <a:p>
-            <a:pPr lvl="1">
+              <a:rPr lang="fr-FR" b="1" dirty="0"/>
+              <a:t>Prise en charge de tâches répétitives, laborieuses, à risque d’erreur</a:t>
+            </a:r>
+          </a:p>
+          <a:p>
+            <a:pPr lvl="2">
+              <a:buClr>
+                <a:schemeClr val="accent1"/>
+              </a:buClr>
               <a:buFont typeface="Arial" panose="020B0604020202020204" pitchFamily="34" charset="0"/>
               <a:buChar char="•"/>
             </a:pPr>
             <a:r>
-              <a:rPr lang="fr-FR" sz="2000" b="0" dirty="0" err="1" smtClean="0">
+              <a:rPr lang="fr-FR" sz="1050" dirty="0">
                 <a:solidFill>
                   <a:schemeClr val="tx1"/>
                 </a:solidFill>
-                <a:ea typeface="+mn-ea"/>
-                <a:cs typeface="+mn-cs"/>
               </a:rPr>
-              <a:t>Pega</a:t>
-            </a:r>
-            <a:r>
-              <a:rPr lang="fr-FR" sz="2000" b="0" dirty="0" smtClean="0">
-                <a:solidFill>
-                  <a:schemeClr val="tx1"/>
-                </a:solidFill>
-                <a:ea typeface="+mn-ea"/>
-                <a:cs typeface="+mn-cs"/>
-              </a:rPr>
-              <a:t> RPA…</a:t>
-            </a:r>
-            <a:r>
-              <a:rPr lang="fr-FR" sz="2000" b="0" dirty="0" err="1" smtClean="0">
-                <a:solidFill>
-                  <a:schemeClr val="tx1"/>
-                </a:solidFill>
-                <a:ea typeface="+mn-ea"/>
-                <a:cs typeface="+mn-cs"/>
-              </a:rPr>
-              <a:t>etc</a:t>
-            </a:r>
-            <a:endParaRPr lang="fr-FR" sz="2000" b="0" dirty="0" smtClean="0">
-              <a:solidFill>
-                <a:schemeClr val="tx1"/>
-              </a:solidFill>
-              <a:ea typeface="+mn-ea"/>
-              <a:cs typeface="+mn-cs"/>
-            </a:endParaRPr>
-          </a:p>
-          <a:p>
-            <a:pPr marL="0" indent="0"/>
-            <a:endParaRPr lang="fr-FR" sz="2000" b="1" dirty="0" smtClean="0"/>
-          </a:p>
-          <a:p>
-            <a:pPr marL="0" indent="0"/>
-            <a:endParaRPr lang="fr-FR" sz="2000" b="1" dirty="0" smtClean="0"/>
-          </a:p>
-          <a:p>
-            <a:pPr marL="0" indent="0"/>
-            <a:r>
-              <a:rPr lang="fr-FR" sz="2000" b="1" dirty="0" smtClean="0"/>
-              <a:t>Plusieurs ateliers ont été menés pour les confronter sur la base de 80 critères Techniques et Fonctionnels</a:t>
-            </a:r>
-          </a:p>
-          <a:p>
-            <a:pPr marL="0" indent="0"/>
-            <a:endParaRPr lang="fr-FR" sz="1600" i="1" dirty="0" smtClean="0"/>
-          </a:p>
-          <a:p>
-            <a:pPr marL="0" indent="0"/>
-            <a:r>
-              <a:rPr lang="fr-FR" sz="1600" i="1" dirty="0" smtClean="0"/>
-              <a:t>*</a:t>
-            </a:r>
-            <a:r>
-              <a:rPr lang="fr-FR" sz="1600" i="1" dirty="0" err="1" smtClean="0"/>
-              <a:t>BluePrism</a:t>
-            </a:r>
-            <a:r>
-              <a:rPr lang="fr-FR" sz="1600" i="1" dirty="0" smtClean="0"/>
-              <a:t> n’a pas répondu à la démarche (version d’essai pas disponible) pour le confronter aux autres outils. De ce fait, </a:t>
-            </a:r>
-            <a:r>
-              <a:rPr lang="fr-FR" sz="1600" i="1" dirty="0" err="1" smtClean="0"/>
-              <a:t>BluePrism</a:t>
-            </a:r>
-            <a:r>
-              <a:rPr lang="fr-FR" sz="1600" i="1" dirty="0" smtClean="0"/>
-              <a:t> ne sera pas évalué.</a:t>
-            </a:r>
-          </a:p>
-          <a:p>
-            <a:pPr marL="0" indent="0"/>
-            <a:endParaRPr lang="fr-FR" sz="2400" b="1" dirty="0" smtClean="0"/>
-          </a:p>
-          <a:p>
-            <a:pPr>
-              <a:buFont typeface="Arial" panose="020B0604020202020204" pitchFamily="34" charset="0"/>
-              <a:buChar char="•"/>
-            </a:pPr>
-            <a:endParaRPr lang="fr-FR" sz="1800" b="1" dirty="0"/>
-          </a:p>
-          <a:p>
-            <a:pPr>
+              <a:t>Ressaisies entre 2 outils, processus de rapprochements</a:t>
+            </a:r>
+          </a:p>
+          <a:p>
+            <a:pPr marL="285750" indent="-285750">
               <a:buFont typeface="Arial" panose="020B0604020202020204" pitchFamily="34" charset="0"/>
               <a:buChar char="•"/>
             </a:pPr>
             <a:endParaRPr lang="fr-FR" dirty="0"/>
           </a:p>
+          <a:p>
+            <a:pPr marL="285750" indent="-285750">
+              <a:buFont typeface="Arial" panose="020B0604020202020204" pitchFamily="34" charset="0"/>
+              <a:buChar char="•"/>
+            </a:pPr>
+            <a:r>
+              <a:rPr lang="fr-FR" b="1" dirty="0"/>
+              <a:t>Préparation et mise à disposition de tableaux de bords</a:t>
+            </a:r>
+          </a:p>
+          <a:p>
+            <a:pPr lvl="2">
+              <a:buClr>
+                <a:schemeClr val="accent1"/>
+              </a:buClr>
+              <a:buFont typeface="Arial" panose="020B0604020202020204" pitchFamily="34" charset="0"/>
+              <a:buChar char="•"/>
+            </a:pPr>
+            <a:r>
+              <a:rPr lang="fr-FR" sz="1050" dirty="0">
+                <a:solidFill>
+                  <a:schemeClr val="tx1"/>
+                </a:solidFill>
+              </a:rPr>
+              <a:t>Consolidation, formatage, distribution de données provenant de sources multiples</a:t>
+            </a:r>
+          </a:p>
+          <a:p>
+            <a:pPr lvl="2">
+              <a:buClr>
+                <a:schemeClr val="accent1"/>
+              </a:buClr>
+              <a:buFont typeface="Arial" panose="020B0604020202020204" pitchFamily="34" charset="0"/>
+              <a:buChar char="•"/>
+            </a:pPr>
+            <a:r>
+              <a:rPr lang="fr-FR" sz="1050" dirty="0">
+                <a:solidFill>
+                  <a:schemeClr val="tx1"/>
+                </a:solidFill>
+              </a:rPr>
+              <a:t>Application de contrôles</a:t>
+            </a:r>
+          </a:p>
+          <a:p>
+            <a:pPr lvl="2">
+              <a:buClr>
+                <a:schemeClr val="accent1"/>
+              </a:buClr>
+            </a:pPr>
+            <a:endParaRPr lang="fr-FR" sz="1050" dirty="0">
+              <a:solidFill>
+                <a:schemeClr val="accent1"/>
+              </a:solidFill>
+            </a:endParaRPr>
+          </a:p>
+          <a:p>
+            <a:pPr marL="285750" indent="-285750">
+              <a:buFont typeface="Arial" panose="020B0604020202020204" pitchFamily="34" charset="0"/>
+              <a:buChar char="•"/>
+            </a:pPr>
+            <a:r>
+              <a:rPr lang="fr-FR" b="1" dirty="0"/>
+              <a:t>Mise en œuvre systématique de contrôles qualité, conformité, génération de pistes d’audit</a:t>
+            </a:r>
+          </a:p>
+          <a:p>
+            <a:pPr lvl="2">
+              <a:buClr>
+                <a:schemeClr val="accent1"/>
+              </a:buClr>
+              <a:buFont typeface="Arial" panose="020B0604020202020204" pitchFamily="34" charset="0"/>
+              <a:buChar char="•"/>
+            </a:pPr>
+            <a:r>
+              <a:rPr lang="fr-FR" sz="1050" dirty="0">
+                <a:solidFill>
+                  <a:schemeClr val="tx1"/>
+                </a:solidFill>
+              </a:rPr>
+              <a:t>Levée immédiate d’alertes et envois de mails en escalade en cas de détection d’anomalie</a:t>
+            </a:r>
+          </a:p>
+          <a:p>
+            <a:pPr lvl="2">
+              <a:buClr>
+                <a:schemeClr val="accent1"/>
+              </a:buClr>
+              <a:buFont typeface="Arial" panose="020B0604020202020204" pitchFamily="34" charset="0"/>
+              <a:buChar char="•"/>
+            </a:pPr>
+            <a:r>
+              <a:rPr lang="fr-FR" sz="1050" dirty="0">
+                <a:solidFill>
+                  <a:schemeClr val="tx1"/>
+                </a:solidFill>
+              </a:rPr>
+              <a:t>Amélioration de la gestion du risque par des processus précis, répétables, </a:t>
+            </a:r>
+            <a:r>
+              <a:rPr lang="fr-FR" sz="1050" dirty="0" err="1">
+                <a:solidFill>
+                  <a:schemeClr val="tx1"/>
+                </a:solidFill>
+              </a:rPr>
+              <a:t>auditables</a:t>
+            </a:r>
+            <a:endParaRPr lang="fr-FR" sz="1050" dirty="0">
+              <a:solidFill>
+                <a:schemeClr val="tx1"/>
+              </a:solidFill>
+            </a:endParaRPr>
+          </a:p>
+          <a:p>
+            <a:pPr lvl="2">
+              <a:buClr>
+                <a:schemeClr val="accent1"/>
+              </a:buClr>
+            </a:pPr>
+            <a:endParaRPr lang="fr-FR" sz="1100" dirty="0">
+              <a:solidFill>
+                <a:schemeClr val="accent1"/>
+              </a:solidFill>
+            </a:endParaRPr>
+          </a:p>
+          <a:p>
+            <a:pPr marL="285750" indent="-285750">
+              <a:buFont typeface="Arial" panose="020B0604020202020204" pitchFamily="34" charset="0"/>
+              <a:buChar char="•"/>
+            </a:pPr>
+            <a:r>
+              <a:rPr lang="fr-FR" b="1" dirty="0"/>
+              <a:t>Prise en charge de travaux en débordement</a:t>
+            </a:r>
+          </a:p>
+          <a:p>
+            <a:pPr lvl="2">
+              <a:buClr>
+                <a:schemeClr val="accent1"/>
+              </a:buClr>
+              <a:buFont typeface="Arial" panose="020B0604020202020204" pitchFamily="34" charset="0"/>
+              <a:buChar char="•"/>
+            </a:pPr>
+            <a:r>
+              <a:rPr lang="fr-FR" sz="1050" dirty="0">
+                <a:solidFill>
+                  <a:schemeClr val="tx1"/>
+                </a:solidFill>
+              </a:rPr>
+              <a:t>Automatisation de processus pour soulager des équipes lors de pics de charges</a:t>
+            </a:r>
+          </a:p>
+          <a:p>
+            <a:pPr lvl="2">
+              <a:buClr>
+                <a:schemeClr val="accent1"/>
+              </a:buClr>
+              <a:buFont typeface="Arial" panose="020B0604020202020204" pitchFamily="34" charset="0"/>
+              <a:buChar char="•"/>
+            </a:pPr>
+            <a:r>
+              <a:rPr lang="fr-FR" sz="1050" dirty="0">
+                <a:solidFill>
+                  <a:schemeClr val="tx1"/>
+                </a:solidFill>
+              </a:rPr>
+              <a:t>Prise en charge de travaux hors horaires, en cas d’absence de </a:t>
+            </a:r>
+            <a:r>
+              <a:rPr lang="fr-FR" sz="1050" dirty="0" smtClean="0">
+                <a:solidFill>
+                  <a:schemeClr val="tx1"/>
+                </a:solidFill>
+              </a:rPr>
+              <a:t>ressources</a:t>
+            </a:r>
+            <a:endParaRPr lang="fr-FR" sz="1050" dirty="0">
+              <a:solidFill>
+                <a:schemeClr val="tx1"/>
+              </a:solidFill>
+            </a:endParaRPr>
+          </a:p>
         </p:txBody>
       </p:sp>
-      <p:pic>
-        <p:nvPicPr>
-          <p:cNvPr id="4" name="Image 3"/>
-          <p:cNvPicPr>
-            <a:picLocks noChangeAspect="1"/>
-          </p:cNvPicPr>
-          <p:nvPr/>
-        </p:nvPicPr>
-        <p:blipFill rotWithShape="1">
-          <a:blip r:embed="rId2" cstate="print">
-            <a:extLst>
-              <a:ext uri="{28A0092B-C50C-407E-A947-70E740481C1C}">
-                <a14:useLocalDpi xmlns:a14="http://schemas.microsoft.com/office/drawing/2010/main" val="0"/>
-              </a:ext>
-            </a:extLst>
-          </a:blip>
-          <a:srcRect l="17274" t="11938" r="16909" b="15525"/>
-          <a:stretch/>
-        </p:blipFill>
-        <p:spPr>
-          <a:xfrm>
-            <a:off x="5815719" y="1772816"/>
-            <a:ext cx="2788531" cy="2160240"/>
-          </a:xfrm>
-          <a:prstGeom prst="round2DiagRect">
-            <a:avLst>
-              <a:gd name="adj1" fmla="val 16667"/>
-              <a:gd name="adj2" fmla="val 0"/>
-            </a:avLst>
-          </a:prstGeom>
-          <a:ln w="88900" cap="sq">
-            <a:solidFill>
-              <a:srgbClr val="FFFFFF"/>
-            </a:solidFill>
-            <a:miter lim="800000"/>
-          </a:ln>
-          <a:effectLst>
-            <a:outerShdw blurRad="254000" algn="tl" rotWithShape="0">
-              <a:srgbClr val="000000">
-                <a:alpha val="43000"/>
-              </a:srgbClr>
-            </a:outerShdw>
-          </a:effectLst>
-        </p:spPr>
-      </p:pic>
     </p:spTree>
     <p:extLst>
       <p:ext uri="{BB962C8B-B14F-4D97-AF65-F5344CB8AC3E}">
-        <p14:creationId xmlns:p14="http://schemas.microsoft.com/office/powerpoint/2010/main" val="2831300530"/>
+        <p14:creationId xmlns:p14="http://schemas.microsoft.com/office/powerpoint/2010/main" val="3855892701"/>
       </p:ext>
     </p:extLst>
   </p:cSld>
@@ -14059,7 +14059,375 @@
           <a:p>
             <a:r>
               <a:rPr lang="fr-FR" dirty="0" smtClean="0"/>
-              <a:t>6. Confrontations (Nice – AA – </a:t>
+              <a:t>5. Principaux Outils du marchés</a:t>
+            </a:r>
+            <a:endParaRPr lang="fr-FR" dirty="0"/>
+          </a:p>
+        </p:txBody>
+      </p:sp>
+      <p:sp>
+        <p:nvSpPr>
+          <p:cNvPr id="3" name="Espace réservé du contenu 2"/>
+          <p:cNvSpPr>
+            <a:spLocks noGrp="1"/>
+          </p:cNvSpPr>
+          <p:nvPr>
+            <p:ph idx="1"/>
+          </p:nvPr>
+        </p:nvSpPr>
+        <p:spPr/>
+        <p:txBody>
+          <a:bodyPr/>
+          <a:lstStyle/>
+          <a:p>
+            <a:pPr marL="0" indent="0"/>
+            <a:r>
+              <a:rPr lang="fr-FR" sz="2000" b="1" dirty="0"/>
+              <a:t>Les principaux outils du marchés </a:t>
+            </a:r>
+            <a:r>
+              <a:rPr lang="fr-FR" sz="2000" b="1" dirty="0" smtClean="0"/>
+              <a:t>:</a:t>
+            </a:r>
+          </a:p>
+          <a:p>
+            <a:pPr lvl="1">
+              <a:buFont typeface="Arial" panose="020B0604020202020204" pitchFamily="34" charset="0"/>
+              <a:buChar char="•"/>
+            </a:pPr>
+            <a:r>
+              <a:rPr lang="fr-FR" sz="2000" b="0" dirty="0">
+                <a:solidFill>
+                  <a:schemeClr val="tx1"/>
+                </a:solidFill>
+                <a:ea typeface="+mn-ea"/>
+                <a:cs typeface="+mn-cs"/>
+              </a:rPr>
+              <a:t>Automation </a:t>
+            </a:r>
+            <a:r>
+              <a:rPr lang="fr-FR" sz="2000" b="0" dirty="0" err="1">
+                <a:solidFill>
+                  <a:schemeClr val="tx1"/>
+                </a:solidFill>
+                <a:ea typeface="+mn-ea"/>
+                <a:cs typeface="+mn-cs"/>
+              </a:rPr>
+              <a:t>Anywhere</a:t>
+            </a:r>
+            <a:r>
+              <a:rPr lang="fr-FR" sz="2000" b="0" dirty="0">
+                <a:solidFill>
+                  <a:schemeClr val="tx1"/>
+                </a:solidFill>
+                <a:ea typeface="+mn-ea"/>
+                <a:cs typeface="+mn-cs"/>
+              </a:rPr>
+              <a:t> (AA)</a:t>
+            </a:r>
+          </a:p>
+          <a:p>
+            <a:pPr lvl="1">
+              <a:buFont typeface="Arial" panose="020B0604020202020204" pitchFamily="34" charset="0"/>
+              <a:buChar char="•"/>
+            </a:pPr>
+            <a:r>
+              <a:rPr lang="fr-FR" sz="2000" b="0" dirty="0" err="1">
+                <a:solidFill>
+                  <a:schemeClr val="tx1"/>
+                </a:solidFill>
+                <a:ea typeface="+mn-ea"/>
+                <a:cs typeface="+mn-cs"/>
+              </a:rPr>
+              <a:t>UiPath</a:t>
+            </a:r>
+            <a:endParaRPr lang="fr-FR" sz="2000" b="0" dirty="0">
+              <a:solidFill>
+                <a:schemeClr val="tx1"/>
+              </a:solidFill>
+              <a:ea typeface="+mn-ea"/>
+              <a:cs typeface="+mn-cs"/>
+            </a:endParaRPr>
+          </a:p>
+          <a:p>
+            <a:pPr lvl="1">
+              <a:buFont typeface="Arial" panose="020B0604020202020204" pitchFamily="34" charset="0"/>
+              <a:buChar char="•"/>
+            </a:pPr>
+            <a:r>
+              <a:rPr lang="fr-FR" sz="2000" b="0" dirty="0">
+                <a:solidFill>
+                  <a:schemeClr val="tx1"/>
+                </a:solidFill>
+                <a:ea typeface="+mn-ea"/>
+                <a:cs typeface="+mn-cs"/>
+              </a:rPr>
+              <a:t>Nice</a:t>
+            </a:r>
+          </a:p>
+          <a:p>
+            <a:pPr lvl="1">
+              <a:buFont typeface="Arial" panose="020B0604020202020204" pitchFamily="34" charset="0"/>
+              <a:buChar char="•"/>
+            </a:pPr>
+            <a:r>
+              <a:rPr lang="fr-FR" sz="2000" b="0" dirty="0" err="1" smtClean="0">
+                <a:solidFill>
+                  <a:schemeClr val="tx1"/>
+                </a:solidFill>
+                <a:ea typeface="+mn-ea"/>
+                <a:cs typeface="+mn-cs"/>
+              </a:rPr>
+              <a:t>BluePrism</a:t>
+            </a:r>
+            <a:endParaRPr lang="fr-FR" sz="2000" b="0" dirty="0" smtClean="0">
+              <a:solidFill>
+                <a:schemeClr val="tx1"/>
+              </a:solidFill>
+              <a:ea typeface="+mn-ea"/>
+              <a:cs typeface="+mn-cs"/>
+            </a:endParaRPr>
+          </a:p>
+          <a:p>
+            <a:pPr lvl="1">
+              <a:buFont typeface="Arial" panose="020B0604020202020204" pitchFamily="34" charset="0"/>
+              <a:buChar char="•"/>
+            </a:pPr>
+            <a:r>
+              <a:rPr lang="fr-FR" sz="2000" b="0" dirty="0" err="1" smtClean="0">
+                <a:solidFill>
+                  <a:schemeClr val="tx1"/>
+                </a:solidFill>
+                <a:ea typeface="+mn-ea"/>
+                <a:cs typeface="+mn-cs"/>
+              </a:rPr>
+              <a:t>Pega</a:t>
+            </a:r>
+            <a:r>
+              <a:rPr lang="fr-FR" sz="2000" b="0" dirty="0" smtClean="0">
+                <a:solidFill>
+                  <a:schemeClr val="tx1"/>
+                </a:solidFill>
+                <a:ea typeface="+mn-ea"/>
+                <a:cs typeface="+mn-cs"/>
+              </a:rPr>
+              <a:t> RPA</a:t>
+            </a:r>
+          </a:p>
+          <a:p>
+            <a:pPr lvl="1">
+              <a:buFont typeface="Arial" panose="020B0604020202020204" pitchFamily="34" charset="0"/>
+              <a:buChar char="•"/>
+            </a:pPr>
+            <a:r>
+              <a:rPr lang="fr-FR" sz="2000" b="0" dirty="0" err="1" smtClean="0">
+                <a:solidFill>
+                  <a:schemeClr val="tx1"/>
+                </a:solidFill>
+                <a:ea typeface="+mn-ea"/>
+                <a:cs typeface="+mn-cs"/>
+              </a:rPr>
+              <a:t>WorkFusion</a:t>
+            </a:r>
+            <a:endParaRPr lang="fr-FR" sz="2000" b="0" dirty="0" smtClean="0">
+              <a:solidFill>
+                <a:schemeClr val="tx1"/>
+              </a:solidFill>
+              <a:ea typeface="+mn-ea"/>
+              <a:cs typeface="+mn-cs"/>
+            </a:endParaRPr>
+          </a:p>
+          <a:p>
+            <a:pPr lvl="1">
+              <a:buFont typeface="Arial" panose="020B0604020202020204" pitchFamily="34" charset="0"/>
+              <a:buChar char="•"/>
+            </a:pPr>
+            <a:r>
+              <a:rPr lang="fr-FR" sz="2000" b="0" dirty="0" err="1" smtClean="0">
+                <a:solidFill>
+                  <a:schemeClr val="tx1"/>
+                </a:solidFill>
+                <a:ea typeface="+mn-ea"/>
+                <a:cs typeface="+mn-cs"/>
+              </a:rPr>
+              <a:t>Kofax</a:t>
+            </a:r>
+            <a:endParaRPr lang="fr-FR" sz="2000" b="0" dirty="0" smtClean="0">
+              <a:solidFill>
+                <a:schemeClr val="tx1"/>
+              </a:solidFill>
+              <a:ea typeface="+mn-ea"/>
+              <a:cs typeface="+mn-cs"/>
+            </a:endParaRPr>
+          </a:p>
+          <a:p>
+            <a:pPr lvl="1">
+              <a:buFont typeface="Arial" panose="020B0604020202020204" pitchFamily="34" charset="0"/>
+              <a:buChar char="•"/>
+            </a:pPr>
+            <a:r>
+              <a:rPr lang="fr-FR" sz="2000" b="0" dirty="0" smtClean="0">
+                <a:solidFill>
+                  <a:schemeClr val="tx1"/>
+                </a:solidFill>
+                <a:ea typeface="+mn-ea"/>
+                <a:cs typeface="+mn-cs"/>
+              </a:rPr>
+              <a:t>…</a:t>
+            </a:r>
+            <a:r>
+              <a:rPr lang="fr-FR" sz="2000" b="0" dirty="0" err="1" smtClean="0">
+                <a:solidFill>
+                  <a:schemeClr val="tx1"/>
+                </a:solidFill>
+                <a:ea typeface="+mn-ea"/>
+                <a:cs typeface="+mn-cs"/>
+              </a:rPr>
+              <a:t>etc</a:t>
+            </a:r>
+            <a:endParaRPr lang="fr-FR" sz="2000" b="0" dirty="0" smtClean="0">
+              <a:solidFill>
+                <a:schemeClr val="tx1"/>
+              </a:solidFill>
+              <a:ea typeface="+mn-ea"/>
+              <a:cs typeface="+mn-cs"/>
+            </a:endParaRPr>
+          </a:p>
+          <a:p>
+            <a:pPr marL="0" indent="0"/>
+            <a:endParaRPr lang="fr-FR" sz="2000" b="1" dirty="0" smtClean="0"/>
+          </a:p>
+          <a:p>
+            <a:pPr marL="0" indent="0"/>
+            <a:r>
+              <a:rPr lang="fr-FR" sz="2000" b="1" dirty="0" smtClean="0"/>
+              <a:t>Après une sélection par des prérequis, les outils vont être confrontés sur la base de 80 critères Techniques et Fonctionnels.</a:t>
+            </a:r>
+          </a:p>
+          <a:p>
+            <a:pPr marL="0" indent="0"/>
+            <a:endParaRPr lang="fr-FR" sz="1600" i="1" dirty="0" smtClean="0"/>
+          </a:p>
+          <a:p>
+            <a:pPr marL="0" indent="0"/>
+            <a:endParaRPr lang="fr-FR" sz="2400" b="1" dirty="0" smtClean="0"/>
+          </a:p>
+          <a:p>
+            <a:pPr>
+              <a:buFont typeface="Arial" panose="020B0604020202020204" pitchFamily="34" charset="0"/>
+              <a:buChar char="•"/>
+            </a:pPr>
+            <a:endParaRPr lang="fr-FR" sz="1800" b="1" dirty="0"/>
+          </a:p>
+          <a:p>
+            <a:pPr>
+              <a:buFont typeface="Arial" panose="020B0604020202020204" pitchFamily="34" charset="0"/>
+              <a:buChar char="•"/>
+            </a:pPr>
+            <a:endParaRPr lang="fr-FR" dirty="0"/>
+          </a:p>
+        </p:txBody>
+      </p:sp>
+      <p:pic>
+        <p:nvPicPr>
+          <p:cNvPr id="4" name="Image 3"/>
+          <p:cNvPicPr>
+            <a:picLocks noChangeAspect="1"/>
+          </p:cNvPicPr>
+          <p:nvPr/>
+        </p:nvPicPr>
+        <p:blipFill rotWithShape="1">
+          <a:blip r:embed="rId2" cstate="print">
+            <a:extLst>
+              <a:ext uri="{28A0092B-C50C-407E-A947-70E740481C1C}">
+                <a14:useLocalDpi xmlns:a14="http://schemas.microsoft.com/office/drawing/2010/main" val="0"/>
+              </a:ext>
+            </a:extLst>
+          </a:blip>
+          <a:srcRect l="17274" t="11938" r="16909" b="15525"/>
+          <a:stretch/>
+        </p:blipFill>
+        <p:spPr>
+          <a:xfrm>
+            <a:off x="4788024" y="1775872"/>
+            <a:ext cx="3528194" cy="2733248"/>
+          </a:xfrm>
+          <a:prstGeom prst="round2DiagRect">
+            <a:avLst>
+              <a:gd name="adj1" fmla="val 16667"/>
+              <a:gd name="adj2" fmla="val 0"/>
+            </a:avLst>
+          </a:prstGeom>
+          <a:ln w="88900" cap="sq">
+            <a:solidFill>
+              <a:srgbClr val="FFFFFF"/>
+            </a:solidFill>
+            <a:miter lim="800000"/>
+          </a:ln>
+          <a:effectLst>
+            <a:outerShdw blurRad="254000" algn="tl" rotWithShape="0">
+              <a:srgbClr val="000000">
+                <a:alpha val="43000"/>
+              </a:srgbClr>
+            </a:outerShdw>
+          </a:effectLst>
+        </p:spPr>
+      </p:pic>
+    </p:spTree>
+    <p:extLst>
+      <p:ext uri="{BB962C8B-B14F-4D97-AF65-F5344CB8AC3E}">
+        <p14:creationId xmlns:p14="http://schemas.microsoft.com/office/powerpoint/2010/main" val="2831300530"/>
+      </p:ext>
+    </p:extLst>
+  </p:cSld>
+  <p:clrMapOvr>
+    <a:masterClrMapping/>
+  </p:clrMapOvr>
+  <p:timing>
+    <p:tnLst>
+      <p:par>
+        <p:cTn id="1" dur="indefinite" restart="never" nodeType="tmRoot"/>
+      </p:par>
+    </p:tnLst>
+  </p:timing>
+</p:sld>
+</file>
+
+<file path=ppt/slides/slide12.xml><?xml version="1.0" encoding="utf-8"?>
+<p:sld xmlns:a="http://schemas.openxmlformats.org/drawingml/2006/main" xmlns:r="http://schemas.openxmlformats.org/officeDocument/2006/relationships" xmlns:p="http://schemas.openxmlformats.org/presentationml/2006/main">
+  <p:cSld>
+    <p:spTree>
+      <p:nvGrpSpPr>
+        <p:cNvPr id="1" name=""/>
+        <p:cNvGrpSpPr/>
+        <p:nvPr/>
+      </p:nvGrpSpPr>
+      <p:grpSpPr>
+        <a:xfrm>
+          <a:off x="0" y="0"/>
+          <a:ext cx="0" cy="0"/>
+          <a:chOff x="0" y="0"/>
+          <a:chExt cx="0" cy="0"/>
+        </a:xfrm>
+      </p:grpSpPr>
+      <p:sp>
+        <p:nvSpPr>
+          <p:cNvPr id="2" name="Titre 1"/>
+          <p:cNvSpPr>
+            <a:spLocks noGrp="1"/>
+          </p:cNvSpPr>
+          <p:nvPr>
+            <p:ph type="title"/>
+          </p:nvPr>
+        </p:nvSpPr>
+        <p:spPr/>
+        <p:txBody>
+          <a:bodyPr/>
+          <a:lstStyle/>
+          <a:p>
+            <a:r>
+              <a:rPr lang="fr-FR" dirty="0" smtClean="0"/>
+              <a:t>6. Confrontation (Nice – AA – </a:t>
             </a:r>
             <a:r>
               <a:rPr lang="fr-FR" dirty="0" err="1" smtClean="0"/>
@@ -14086,7 +14454,7 @@
         <p:spPr>
           <a:xfrm>
             <a:off x="539750" y="1169988"/>
-            <a:ext cx="4752330" cy="4851400"/>
+            <a:ext cx="3744218" cy="4851400"/>
           </a:xfrm>
         </p:spPr>
         <p:txBody>
@@ -14096,7 +14464,7 @@
             <a:pPr marL="0" indent="0"/>
             <a:r>
               <a:rPr lang="fr-FR" sz="2000" b="1" dirty="0" smtClean="0"/>
-              <a:t>La confrontation va étudier les outils sur différents aspects :</a:t>
+              <a:t>Etude des outils sur différents aspects :</a:t>
             </a:r>
           </a:p>
           <a:p>
@@ -14242,7 +14610,7 @@
           </p:cNvPicPr>
           <p:nvPr/>
         </p:nvPicPr>
-        <p:blipFill>
+        <p:blipFill rotWithShape="1">
           <a:blip r:embed="rId2">
             <a:extLst>
               <a:ext uri="{28A0092B-C50C-407E-A947-70E740481C1C}">
@@ -14250,15 +14618,13 @@
               </a:ext>
             </a:extLst>
           </a:blip>
-          <a:srcRect/>
-          <a:stretch>
-            <a:fillRect/>
-          </a:stretch>
+          <a:srcRect b="26489"/>
+          <a:stretch/>
         </p:blipFill>
         <p:spPr bwMode="auto">
           <a:xfrm>
-            <a:off x="5292080" y="988109"/>
-            <a:ext cx="3448224" cy="5465227"/>
+            <a:off x="4283968" y="1059498"/>
+            <a:ext cx="4320480" cy="5033798"/>
           </a:xfrm>
           <a:prstGeom prst="rect">
             <a:avLst/>
@@ -14318,7 +14684,7 @@
 </p:sld>
 </file>
 
-<file path=ppt/slides/slide12.xml><?xml version="1.0" encoding="utf-8"?>
+<file path=ppt/slides/slide13.xml><?xml version="1.0" encoding="utf-8"?>
 <p:sld xmlns:a="http://schemas.openxmlformats.org/drawingml/2006/main" xmlns:r="http://schemas.openxmlformats.org/officeDocument/2006/relationships" xmlns:p="http://schemas.openxmlformats.org/presentationml/2006/main">
   <p:cSld>
     <p:spTree>
@@ -14382,7 +14748,7 @@
             </a:r>
             <a:r>
               <a:rPr lang="fr-FR" dirty="0" smtClean="0"/>
-              <a:t>Confrontations – Fonctions de base</a:t>
+              <a:t>Confrontation – Fonctions de base</a:t>
             </a:r>
             <a:endParaRPr lang="fr-FR" dirty="0"/>
           </a:p>
@@ -14885,7 +15251,7 @@
 </p:sld>
 </file>
 
-<file path=ppt/slides/slide13.xml><?xml version="1.0" encoding="utf-8"?>
+<file path=ppt/slides/slide14.xml><?xml version="1.0" encoding="utf-8"?>
 <p:sld xmlns:a="http://schemas.openxmlformats.org/drawingml/2006/main" xmlns:r="http://schemas.openxmlformats.org/officeDocument/2006/relationships" xmlns:p="http://schemas.openxmlformats.org/presentationml/2006/main">
   <p:cSld>
     <p:spTree>
@@ -14925,7 +15291,7 @@
             </a:r>
             <a:r>
               <a:rPr lang="fr-FR" sz="2000" dirty="0" smtClean="0"/>
-              <a:t>Confrontations </a:t>
+              <a:t>Confrontation </a:t>
             </a:r>
             <a:r>
               <a:rPr lang="fr-FR" sz="2000" dirty="0"/>
@@ -15773,7 +16139,7 @@
 </p:sld>
 </file>
 
-<file path=ppt/slides/slide14.xml><?xml version="1.0" encoding="utf-8"?>
+<file path=ppt/slides/slide15.xml><?xml version="1.0" encoding="utf-8"?>
 <p:sld xmlns:a="http://schemas.openxmlformats.org/drawingml/2006/main" xmlns:r="http://schemas.openxmlformats.org/officeDocument/2006/relationships" xmlns:p="http://schemas.openxmlformats.org/presentationml/2006/main">
   <p:cSld>
     <p:spTree>
@@ -15806,12 +16172,14 @@
           <a:lstStyle/>
           <a:p>
             <a:r>
-              <a:rPr lang="fr-FR" sz="1800" dirty="0"/>
-              <a:t>4. </a:t>
+              <a:rPr lang="fr-FR" sz="1800" dirty="0" smtClean="0">
+                <a:sym typeface="Wingdings" panose="05000000000000000000" pitchFamily="2" charset="2"/>
+              </a:rPr>
+              <a:t> </a:t>
             </a:r>
             <a:r>
               <a:rPr lang="fr-FR" sz="1800" dirty="0" smtClean="0"/>
-              <a:t>Confrontations </a:t>
+              <a:t>Confrontation </a:t>
             </a:r>
             <a:r>
               <a:rPr lang="fr-FR" sz="1800" dirty="0"/>
@@ -16542,7 +16910,7 @@
 </p:sld>
 </file>
 
-<file path=ppt/slides/slide15.xml><?xml version="1.0" encoding="utf-8"?>
+<file path=ppt/slides/slide16.xml><?xml version="1.0" encoding="utf-8"?>
 <p:sld xmlns:a="http://schemas.openxmlformats.org/drawingml/2006/main" xmlns:r="http://schemas.openxmlformats.org/officeDocument/2006/relationships" xmlns:p="http://schemas.openxmlformats.org/presentationml/2006/main">
   <p:cSld>
     <p:spTree>
@@ -16606,7 +16974,7 @@
             </a:r>
             <a:r>
               <a:rPr lang="fr-FR" sz="1800" dirty="0" smtClean="0"/>
-              <a:t>Confrontations </a:t>
+              <a:t>Confrontation </a:t>
             </a:r>
             <a:r>
               <a:rPr lang="fr-FR" sz="1800" dirty="0"/>
@@ -17456,7 +17824,7 @@
 </p:sld>
 </file>
 
-<file path=ppt/slides/slide16.xml><?xml version="1.0" encoding="utf-8"?>
+<file path=ppt/slides/slide17.xml><?xml version="1.0" encoding="utf-8"?>
 <p:sld xmlns:a="http://schemas.openxmlformats.org/drawingml/2006/main" xmlns:r="http://schemas.openxmlformats.org/officeDocument/2006/relationships" xmlns:p="http://schemas.openxmlformats.org/presentationml/2006/main">
   <p:cSld>
     <p:spTree>
@@ -17496,7 +17864,7 @@
             </a:r>
             <a:r>
               <a:rPr lang="fr-FR" sz="2000" dirty="0" smtClean="0"/>
-              <a:t>Confrontations </a:t>
+              <a:t>Confrontation </a:t>
             </a:r>
             <a:r>
               <a:rPr lang="fr-FR" sz="2000" dirty="0"/>
@@ -18288,7 +18656,7 @@
 </p:sld>
 </file>
 
-<file path=ppt/slides/slide17.xml><?xml version="1.0" encoding="utf-8"?>
+<file path=ppt/slides/slide18.xml><?xml version="1.0" encoding="utf-8"?>
 <p:sld xmlns:a="http://schemas.openxmlformats.org/drawingml/2006/main" xmlns:r="http://schemas.openxmlformats.org/officeDocument/2006/relationships" xmlns:p="http://schemas.openxmlformats.org/presentationml/2006/main">
   <p:cSld>
     <p:spTree>
@@ -19213,311 +19581,6 @@
     <p:extLst>
       <p:ext uri="{BB962C8B-B14F-4D97-AF65-F5344CB8AC3E}">
         <p14:creationId xmlns:p14="http://schemas.microsoft.com/office/powerpoint/2010/main" val="2511286954"/>
-      </p:ext>
-    </p:extLst>
-  </p:cSld>
-  <p:clrMapOvr>
-    <a:masterClrMapping/>
-  </p:clrMapOvr>
-  <mc:AlternateContent xmlns:mc="http://schemas.openxmlformats.org/markup-compatibility/2006" xmlns:p14="http://schemas.microsoft.com/office/powerpoint/2010/main">
-    <mc:Choice Requires="p14">
-      <p:transition spd="med" p14:dur="700">
-        <p:fade/>
-      </p:transition>
-    </mc:Choice>
-    <mc:Fallback xmlns="">
-      <p:transition spd="med">
-        <p:fade/>
-      </p:transition>
-    </mc:Fallback>
-  </mc:AlternateContent>
-  <p:timing>
-    <p:tnLst>
-      <p:par>
-        <p:cTn id="1" dur="indefinite" restart="never" nodeType="tmRoot"/>
-      </p:par>
-    </p:tnLst>
-  </p:timing>
-</p:sld>
-</file>
-
-<file path=ppt/slides/slide18.xml><?xml version="1.0" encoding="utf-8"?>
-<p:sld xmlns:a="http://schemas.openxmlformats.org/drawingml/2006/main" xmlns:r="http://schemas.openxmlformats.org/officeDocument/2006/relationships" xmlns:p="http://schemas.openxmlformats.org/presentationml/2006/main">
-  <p:cSld>
-    <p:spTree>
-      <p:nvGrpSpPr>
-        <p:cNvPr id="1" name=""/>
-        <p:cNvGrpSpPr/>
-        <p:nvPr/>
-      </p:nvGrpSpPr>
-      <p:grpSpPr>
-        <a:xfrm>
-          <a:off x="0" y="0"/>
-          <a:ext cx="0" cy="0"/>
-          <a:chOff x="0" y="0"/>
-          <a:chExt cx="0" cy="0"/>
-        </a:xfrm>
-      </p:grpSpPr>
-      <p:sp>
-        <p:nvSpPr>
-          <p:cNvPr id="2" name="Titre 1"/>
-          <p:cNvSpPr>
-            <a:spLocks noGrp="1"/>
-          </p:cNvSpPr>
-          <p:nvPr>
-            <p:ph type="title"/>
-          </p:nvPr>
-        </p:nvSpPr>
-        <p:spPr/>
-        <p:txBody>
-          <a:bodyPr/>
-          <a:lstStyle/>
-          <a:p>
-            <a:r>
-              <a:rPr lang="fr-FR" dirty="0" smtClean="0"/>
-              <a:t>8. Conclusion de la confrontation</a:t>
-            </a:r>
-            <a:endParaRPr lang="fr-FR" dirty="0"/>
-          </a:p>
-        </p:txBody>
-      </p:sp>
-      <p:sp>
-        <p:nvSpPr>
-          <p:cNvPr id="3" name="Espace réservé du contenu 2"/>
-          <p:cNvSpPr>
-            <a:spLocks noGrp="1"/>
-          </p:cNvSpPr>
-          <p:nvPr>
-            <p:ph idx="1"/>
-          </p:nvPr>
-        </p:nvSpPr>
-        <p:spPr/>
-        <p:txBody>
-          <a:bodyPr>
-            <a:normAutofit/>
-          </a:bodyPr>
-          <a:lstStyle/>
-          <a:p>
-            <a:pPr marL="285750" indent="-285750">
-              <a:buFont typeface="Arial" panose="020B0604020202020204" pitchFamily="34" charset="0"/>
-              <a:buChar char="•"/>
-            </a:pPr>
-            <a:r>
-              <a:rPr lang="fr-FR" sz="1800" b="1" dirty="0"/>
-              <a:t>Au regard de la diversité des domaines métiers et des cas d’usages, aucun des 2 outils </a:t>
-            </a:r>
-            <a:r>
-              <a:rPr lang="fr-FR" sz="1800" b="1" dirty="0" smtClean="0"/>
-              <a:t>(</a:t>
-            </a:r>
-            <a:r>
-              <a:rPr lang="fr-FR" sz="1800" b="1" dirty="0" err="1" smtClean="0"/>
-              <a:t>UIPath</a:t>
-            </a:r>
-            <a:r>
-              <a:rPr lang="fr-FR" sz="1800" b="1" dirty="0" smtClean="0"/>
-              <a:t>/Nice) ne </a:t>
-            </a:r>
-            <a:r>
-              <a:rPr lang="fr-FR" sz="1800" b="1" dirty="0"/>
-              <a:t>permet de répondre totalement </a:t>
-            </a:r>
-            <a:r>
-              <a:rPr lang="fr-FR" sz="1800" b="1" dirty="0" smtClean="0"/>
-              <a:t>aux exigences </a:t>
-            </a:r>
-            <a:r>
-              <a:rPr lang="fr-FR" sz="1800" b="1" dirty="0"/>
-              <a:t>techniques et </a:t>
-            </a:r>
-            <a:r>
-              <a:rPr lang="fr-FR" sz="1800" b="1" dirty="0" smtClean="0"/>
-              <a:t>fonctionnelles</a:t>
-            </a:r>
-          </a:p>
-          <a:p>
-            <a:pPr lvl="2"/>
-            <a:r>
-              <a:rPr lang="fr-FR" sz="1400" b="1" u="sng" dirty="0" smtClean="0">
-                <a:solidFill>
-                  <a:schemeClr val="tx1"/>
-                </a:solidFill>
-                <a:ea typeface="+mn-ea"/>
-                <a:cs typeface="+mn-cs"/>
-              </a:rPr>
-              <a:t>Proposition 1 </a:t>
-            </a:r>
-            <a:r>
-              <a:rPr lang="fr-FR" sz="1400" b="1" u="sng" dirty="0">
-                <a:solidFill>
-                  <a:schemeClr val="tx1"/>
-                </a:solidFill>
-                <a:ea typeface="+mn-ea"/>
-                <a:cs typeface="+mn-cs"/>
-              </a:rPr>
-              <a:t>:</a:t>
-            </a:r>
-            <a:r>
-              <a:rPr lang="fr-FR" sz="1400" b="1" dirty="0">
-                <a:solidFill>
-                  <a:schemeClr val="tx1"/>
-                </a:solidFill>
-                <a:ea typeface="+mn-ea"/>
-                <a:cs typeface="+mn-cs"/>
-              </a:rPr>
-              <a:t>  </a:t>
-            </a:r>
-            <a:r>
-              <a:rPr lang="fr-FR" sz="1400" dirty="0">
-                <a:solidFill>
-                  <a:schemeClr val="tx1"/>
-                </a:solidFill>
-                <a:ea typeface="+mn-ea"/>
-                <a:cs typeface="+mn-cs"/>
-              </a:rPr>
-              <a:t>Achat d’UIPATH (orienté solution AVA) et de NICE (orienté solution </a:t>
-            </a:r>
-            <a:r>
-              <a:rPr lang="fr-FR" sz="1400" dirty="0" smtClean="0">
-                <a:solidFill>
-                  <a:schemeClr val="tx1"/>
-                </a:solidFill>
-                <a:ea typeface="+mn-ea"/>
-                <a:cs typeface="+mn-cs"/>
-              </a:rPr>
-              <a:t>AVI)</a:t>
-            </a:r>
-          </a:p>
-          <a:p>
-            <a:pPr lvl="2"/>
-            <a:r>
-              <a:rPr lang="fr-FR" sz="1400" b="1" u="sng" dirty="0" smtClean="0">
-                <a:solidFill>
-                  <a:schemeClr val="tx1"/>
-                </a:solidFill>
-                <a:ea typeface="+mn-ea"/>
-                <a:cs typeface="+mn-cs"/>
-              </a:rPr>
-              <a:t>Proposition </a:t>
-            </a:r>
-            <a:r>
-              <a:rPr lang="fr-FR" sz="1400" b="1" u="sng" dirty="0">
-                <a:solidFill>
-                  <a:schemeClr val="tx1"/>
-                </a:solidFill>
-                <a:ea typeface="+mn-ea"/>
-                <a:cs typeface="+mn-cs"/>
-              </a:rPr>
-              <a:t>2 :</a:t>
-            </a:r>
-            <a:r>
-              <a:rPr lang="fr-FR" sz="1400" b="1" dirty="0">
-                <a:solidFill>
-                  <a:schemeClr val="tx1"/>
-                </a:solidFill>
-                <a:ea typeface="+mn-ea"/>
-                <a:cs typeface="+mn-cs"/>
-              </a:rPr>
-              <a:t>  </a:t>
-            </a:r>
-            <a:r>
-              <a:rPr lang="fr-FR" sz="1400" dirty="0">
-                <a:solidFill>
-                  <a:schemeClr val="tx1"/>
-                </a:solidFill>
-                <a:ea typeface="+mn-ea"/>
-                <a:cs typeface="+mn-cs"/>
-              </a:rPr>
-              <a:t>Achat d’UIPATH et étude d’un outil </a:t>
-            </a:r>
-            <a:r>
-              <a:rPr lang="fr-FR" sz="1400" dirty="0" smtClean="0">
-                <a:solidFill>
-                  <a:schemeClr val="tx1"/>
-                </a:solidFill>
-                <a:ea typeface="+mn-ea"/>
-                <a:cs typeface="+mn-cs"/>
-              </a:rPr>
-              <a:t>pour « effacer » ses faiblesses</a:t>
-            </a:r>
-            <a:endParaRPr lang="fr-FR" sz="1800" dirty="0">
-              <a:solidFill>
-                <a:schemeClr val="tx1"/>
-              </a:solidFill>
-              <a:ea typeface="+mn-ea"/>
-              <a:cs typeface="+mn-cs"/>
-            </a:endParaRPr>
-          </a:p>
-        </p:txBody>
-      </p:sp>
-      <p:pic>
-        <p:nvPicPr>
-          <p:cNvPr id="3074" name="Picture 2"/>
-          <p:cNvPicPr>
-            <a:picLocks noChangeAspect="1" noChangeArrowheads="1"/>
-          </p:cNvPicPr>
-          <p:nvPr/>
-        </p:nvPicPr>
-        <p:blipFill>
-          <a:blip r:embed="rId2">
-            <a:extLst>
-              <a:ext uri="{28A0092B-C50C-407E-A947-70E740481C1C}">
-                <a14:useLocalDpi xmlns:a14="http://schemas.microsoft.com/office/drawing/2010/main" val="0"/>
-              </a:ext>
-            </a:extLst>
-          </a:blip>
-          <a:srcRect/>
-          <a:stretch>
-            <a:fillRect/>
-          </a:stretch>
-        </p:blipFill>
-        <p:spPr bwMode="auto">
-          <a:xfrm>
-            <a:off x="4124890" y="3068960"/>
-            <a:ext cx="4407550" cy="3096344"/>
-          </a:xfrm>
-          <a:prstGeom prst="rect">
-            <a:avLst/>
-          </a:prstGeom>
-          <a:noFill/>
-          <a:ln>
-            <a:noFill/>
-          </a:ln>
-          <a:effectLst/>
-          <a:extLst>
-            <a:ext uri="{909E8E84-426E-40DD-AFC4-6F175D3DCCD1}">
-              <a14:hiddenFill xmlns:a14="http://schemas.microsoft.com/office/drawing/2010/main">
-                <a:solidFill>
-                  <a:schemeClr val="accent1"/>
-                </a:solidFill>
-              </a14:hiddenFill>
-            </a:ext>
-            <a:ext uri="{91240B29-F687-4F45-9708-019B960494DF}">
-              <a14:hiddenLine xmlns:a14="http://schemas.microsoft.com/office/drawing/2010/main" w="9525">
-                <a:solidFill>
-                  <a:schemeClr val="tx1"/>
-                </a:solidFill>
-                <a:miter lim="800000"/>
-                <a:headEnd/>
-                <a:tailEnd/>
-              </a14:hiddenLine>
-            </a:ext>
-            <a:ext uri="{AF507438-7753-43E0-B8FC-AC1667EBCBE1}">
-              <a14:hiddenEffects xmlns:a14="http://schemas.microsoft.com/office/drawing/2010/main">
-                <a:effectLst>
-                  <a:outerShdw dist="35921" dir="2700000" algn="ctr" rotWithShape="0">
-                    <a:schemeClr val="bg2"/>
-                  </a:outerShdw>
-                </a:effectLst>
-              </a14:hiddenEffects>
-            </a:ext>
-          </a:extLst>
-        </p:spPr>
-      </p:pic>
-    </p:spTree>
-    <p:extLst>
-      <p:ext uri="{BB962C8B-B14F-4D97-AF65-F5344CB8AC3E}">
-        <p14:creationId xmlns:p14="http://schemas.microsoft.com/office/powerpoint/2010/main" val="3658558149"/>
       </p:ext>
     </p:extLst>
   </p:cSld>
@@ -19580,7 +19643,7 @@
           <a:p>
             <a:r>
               <a:rPr lang="fr-FR" dirty="0" smtClean="0"/>
-              <a:t>8. Annexes</a:t>
+              <a:t>8. Conclusion de la confrontation</a:t>
             </a:r>
             <a:endParaRPr lang="fr-FR" dirty="0"/>
           </a:p>
@@ -19588,27 +19651,241 @@
       </p:sp>
       <p:sp>
         <p:nvSpPr>
-          <p:cNvPr id="4" name="Espace réservé du texte 3"/>
+          <p:cNvPr id="3" name="Espace réservé du contenu 2"/>
           <p:cNvSpPr>
             <a:spLocks noGrp="1"/>
           </p:cNvSpPr>
           <p:nvPr>
-            <p:ph type="body" idx="1"/>
+            <p:ph idx="1"/>
           </p:nvPr>
         </p:nvSpPr>
         <p:spPr/>
         <p:txBody>
-          <a:bodyPr/>
+          <a:bodyPr>
+            <a:normAutofit/>
+          </a:bodyPr>
           <a:lstStyle/>
           <a:p>
-            <a:endParaRPr lang="en-US"/>
+            <a:pPr marL="285750" indent="-285750">
+              <a:buFont typeface="Arial" panose="020B0604020202020204" pitchFamily="34" charset="0"/>
+              <a:buChar char="•"/>
+            </a:pPr>
+            <a:r>
+              <a:rPr lang="fr-FR" sz="1800" b="1" dirty="0"/>
+              <a:t>Au regard de la diversité des domaines métiers et des cas d’usages, aucun des 2 outils </a:t>
+            </a:r>
+            <a:r>
+              <a:rPr lang="fr-FR" sz="1800" b="1" dirty="0" smtClean="0"/>
+              <a:t>(</a:t>
+            </a:r>
+            <a:r>
+              <a:rPr lang="fr-FR" sz="1800" b="1" dirty="0" err="1" smtClean="0"/>
+              <a:t>UIPath</a:t>
+            </a:r>
+            <a:r>
+              <a:rPr lang="fr-FR" sz="1800" b="1" dirty="0" smtClean="0"/>
+              <a:t>/Nice) ne </a:t>
+            </a:r>
+            <a:r>
+              <a:rPr lang="fr-FR" sz="1800" b="1" dirty="0"/>
+              <a:t>permet de répondre totalement </a:t>
+            </a:r>
+            <a:r>
+              <a:rPr lang="fr-FR" sz="1800" b="1" dirty="0" smtClean="0"/>
+              <a:t>aux exigences </a:t>
+            </a:r>
+            <a:r>
+              <a:rPr lang="fr-FR" sz="1800" b="1" dirty="0"/>
+              <a:t>techniques et </a:t>
+            </a:r>
+            <a:r>
+              <a:rPr lang="fr-FR" sz="1800" b="1" dirty="0" smtClean="0"/>
+              <a:t>fonctionnelles</a:t>
+            </a:r>
+          </a:p>
+          <a:p>
+            <a:pPr lvl="2"/>
+            <a:r>
+              <a:rPr lang="fr-FR" sz="1400" b="1" u="sng" dirty="0" smtClean="0">
+                <a:solidFill>
+                  <a:schemeClr val="tx1"/>
+                </a:solidFill>
+                <a:ea typeface="+mn-ea"/>
+                <a:cs typeface="+mn-cs"/>
+              </a:rPr>
+              <a:t>Proposition 1 </a:t>
+            </a:r>
+            <a:r>
+              <a:rPr lang="fr-FR" sz="1400" b="1" u="sng" dirty="0">
+                <a:solidFill>
+                  <a:schemeClr val="tx1"/>
+                </a:solidFill>
+                <a:ea typeface="+mn-ea"/>
+                <a:cs typeface="+mn-cs"/>
+              </a:rPr>
+              <a:t>:</a:t>
+            </a:r>
+            <a:r>
+              <a:rPr lang="fr-FR" sz="1400" b="1" dirty="0">
+                <a:solidFill>
+                  <a:schemeClr val="tx1"/>
+                </a:solidFill>
+                <a:ea typeface="+mn-ea"/>
+                <a:cs typeface="+mn-cs"/>
+              </a:rPr>
+              <a:t>  </a:t>
+            </a:r>
+            <a:r>
+              <a:rPr lang="fr-FR" sz="1400" dirty="0">
+                <a:solidFill>
+                  <a:schemeClr val="tx1"/>
+                </a:solidFill>
+                <a:ea typeface="+mn-ea"/>
+                <a:cs typeface="+mn-cs"/>
+              </a:rPr>
+              <a:t>Achat d’UIPATH (orienté solution AVA) et de NICE (orienté solution </a:t>
+            </a:r>
+            <a:r>
+              <a:rPr lang="fr-FR" sz="1400" dirty="0" smtClean="0">
+                <a:solidFill>
+                  <a:schemeClr val="tx1"/>
+                </a:solidFill>
+                <a:ea typeface="+mn-ea"/>
+                <a:cs typeface="+mn-cs"/>
+              </a:rPr>
+              <a:t>AVI)</a:t>
+            </a:r>
+          </a:p>
+          <a:p>
+            <a:pPr lvl="2"/>
+            <a:r>
+              <a:rPr lang="fr-FR" sz="1400" b="1" u="sng" dirty="0" smtClean="0">
+                <a:solidFill>
+                  <a:schemeClr val="tx1"/>
+                </a:solidFill>
+                <a:ea typeface="+mn-ea"/>
+                <a:cs typeface="+mn-cs"/>
+              </a:rPr>
+              <a:t>Proposition </a:t>
+            </a:r>
+            <a:r>
+              <a:rPr lang="fr-FR" sz="1400" b="1" u="sng" dirty="0">
+                <a:solidFill>
+                  <a:schemeClr val="tx1"/>
+                </a:solidFill>
+                <a:ea typeface="+mn-ea"/>
+                <a:cs typeface="+mn-cs"/>
+              </a:rPr>
+              <a:t>2 :</a:t>
+            </a:r>
+            <a:r>
+              <a:rPr lang="fr-FR" sz="1400" b="1" dirty="0">
+                <a:solidFill>
+                  <a:schemeClr val="tx1"/>
+                </a:solidFill>
+                <a:ea typeface="+mn-ea"/>
+                <a:cs typeface="+mn-cs"/>
+              </a:rPr>
+              <a:t>  </a:t>
+            </a:r>
+            <a:r>
+              <a:rPr lang="fr-FR" sz="1400" dirty="0">
+                <a:solidFill>
+                  <a:schemeClr val="tx1"/>
+                </a:solidFill>
+                <a:ea typeface="+mn-ea"/>
+                <a:cs typeface="+mn-cs"/>
+              </a:rPr>
+              <a:t>Achat d’UIPATH et étude d’un outil </a:t>
+            </a:r>
+            <a:r>
+              <a:rPr lang="fr-FR" sz="1400" dirty="0" smtClean="0">
+                <a:solidFill>
+                  <a:schemeClr val="tx1"/>
+                </a:solidFill>
+                <a:ea typeface="+mn-ea"/>
+                <a:cs typeface="+mn-cs"/>
+              </a:rPr>
+              <a:t>pour « effacer » ses faiblesses</a:t>
+            </a:r>
+            <a:endParaRPr lang="fr-FR" sz="1800" dirty="0">
+              <a:solidFill>
+                <a:schemeClr val="tx1"/>
+              </a:solidFill>
+              <a:ea typeface="+mn-ea"/>
+              <a:cs typeface="+mn-cs"/>
+            </a:endParaRPr>
           </a:p>
         </p:txBody>
       </p:sp>
+      <p:pic>
+        <p:nvPicPr>
+          <p:cNvPr id="3074" name="Picture 2"/>
+          <p:cNvPicPr>
+            <a:picLocks noChangeAspect="1" noChangeArrowheads="1"/>
+          </p:cNvPicPr>
+          <p:nvPr/>
+        </p:nvPicPr>
+        <p:blipFill>
+          <a:blip r:embed="rId2">
+            <a:extLst>
+              <a:ext uri="{28A0092B-C50C-407E-A947-70E740481C1C}">
+                <a14:useLocalDpi xmlns:a14="http://schemas.microsoft.com/office/drawing/2010/main" val="0"/>
+              </a:ext>
+            </a:extLst>
+          </a:blip>
+          <a:srcRect/>
+          <a:stretch>
+            <a:fillRect/>
+          </a:stretch>
+        </p:blipFill>
+        <p:spPr bwMode="auto">
+          <a:xfrm>
+            <a:off x="4124890" y="3068960"/>
+            <a:ext cx="4407550" cy="3096344"/>
+          </a:xfrm>
+          <a:prstGeom prst="rect">
+            <a:avLst/>
+          </a:prstGeom>
+          <a:noFill/>
+          <a:ln>
+            <a:noFill/>
+          </a:ln>
+          <a:effectLst/>
+          <a:extLst>
+            <a:ext uri="{909E8E84-426E-40DD-AFC4-6F175D3DCCD1}">
+              <a14:hiddenFill xmlns:a14="http://schemas.microsoft.com/office/drawing/2010/main">
+                <a:solidFill>
+                  <a:schemeClr val="accent1"/>
+                </a:solidFill>
+              </a14:hiddenFill>
+            </a:ext>
+            <a:ext uri="{91240B29-F687-4F45-9708-019B960494DF}">
+              <a14:hiddenLine xmlns:a14="http://schemas.microsoft.com/office/drawing/2010/main" w="9525">
+                <a:solidFill>
+                  <a:schemeClr val="tx1"/>
+                </a:solidFill>
+                <a:miter lim="800000"/>
+                <a:headEnd/>
+                <a:tailEnd/>
+              </a14:hiddenLine>
+            </a:ext>
+            <a:ext uri="{AF507438-7753-43E0-B8FC-AC1667EBCBE1}">
+              <a14:hiddenEffects xmlns:a14="http://schemas.microsoft.com/office/drawing/2010/main">
+                <a:effectLst>
+                  <a:outerShdw dist="35921" dir="2700000" algn="ctr" rotWithShape="0">
+                    <a:schemeClr val="bg2"/>
+                  </a:outerShdw>
+                </a:effectLst>
+              </a14:hiddenEffects>
+            </a:ext>
+          </a:extLst>
+        </p:spPr>
+      </p:pic>
     </p:spTree>
     <p:extLst>
       <p:ext uri="{BB962C8B-B14F-4D97-AF65-F5344CB8AC3E}">
-        <p14:creationId xmlns:p14="http://schemas.microsoft.com/office/powerpoint/2010/main" val="1987176016"/>
+        <p14:creationId xmlns:p14="http://schemas.microsoft.com/office/powerpoint/2010/main" val="3658558149"/>
       </p:ext>
     </p:extLst>
   </p:cSld>
@@ -19869,6 +20146,97 @@
 </file>
 
 <file path=ppt/slides/slide20.xml><?xml version="1.0" encoding="utf-8"?>
+<p:sld xmlns:a="http://schemas.openxmlformats.org/drawingml/2006/main" xmlns:r="http://schemas.openxmlformats.org/officeDocument/2006/relationships" xmlns:p="http://schemas.openxmlformats.org/presentationml/2006/main">
+  <p:cSld>
+    <p:spTree>
+      <p:nvGrpSpPr>
+        <p:cNvPr id="1" name=""/>
+        <p:cNvGrpSpPr/>
+        <p:nvPr/>
+      </p:nvGrpSpPr>
+      <p:grpSpPr>
+        <a:xfrm>
+          <a:off x="0" y="0"/>
+          <a:ext cx="0" cy="0"/>
+          <a:chOff x="0" y="0"/>
+          <a:chExt cx="0" cy="0"/>
+        </a:xfrm>
+      </p:grpSpPr>
+      <p:sp>
+        <p:nvSpPr>
+          <p:cNvPr id="2" name="Titre 1"/>
+          <p:cNvSpPr>
+            <a:spLocks noGrp="1"/>
+          </p:cNvSpPr>
+          <p:nvPr>
+            <p:ph type="title"/>
+          </p:nvPr>
+        </p:nvSpPr>
+        <p:spPr/>
+        <p:txBody>
+          <a:bodyPr/>
+          <a:lstStyle/>
+          <a:p>
+            <a:r>
+              <a:rPr lang="fr-FR" dirty="0" smtClean="0"/>
+              <a:t>8. Annexes</a:t>
+            </a:r>
+            <a:endParaRPr lang="fr-FR" dirty="0"/>
+          </a:p>
+        </p:txBody>
+      </p:sp>
+      <p:sp>
+        <p:nvSpPr>
+          <p:cNvPr id="4" name="Espace réservé du texte 3"/>
+          <p:cNvSpPr>
+            <a:spLocks noGrp="1"/>
+          </p:cNvSpPr>
+          <p:nvPr>
+            <p:ph type="body" idx="1"/>
+          </p:nvPr>
+        </p:nvSpPr>
+        <p:spPr/>
+        <p:txBody>
+          <a:bodyPr/>
+          <a:lstStyle/>
+          <a:p>
+            <a:endParaRPr lang="en-US"/>
+          </a:p>
+        </p:txBody>
+      </p:sp>
+    </p:spTree>
+    <p:extLst>
+      <p:ext uri="{BB962C8B-B14F-4D97-AF65-F5344CB8AC3E}">
+        <p14:creationId xmlns:p14="http://schemas.microsoft.com/office/powerpoint/2010/main" val="1987176016"/>
+      </p:ext>
+    </p:extLst>
+  </p:cSld>
+  <p:clrMapOvr>
+    <a:masterClrMapping/>
+  </p:clrMapOvr>
+  <mc:AlternateContent xmlns:mc="http://schemas.openxmlformats.org/markup-compatibility/2006" xmlns:p14="http://schemas.microsoft.com/office/powerpoint/2010/main">
+    <mc:Choice Requires="p14">
+      <p:transition spd="med" p14:dur="700">
+        <p:fade/>
+      </p:transition>
+    </mc:Choice>
+    <mc:Fallback xmlns="">
+      <p:transition spd="med">
+        <p:fade/>
+      </p:transition>
+    </mc:Fallback>
+  </mc:AlternateContent>
+  <p:timing>
+    <p:tnLst>
+      <p:par>
+        <p:cTn id="1" dur="indefinite" restart="never" nodeType="tmRoot"/>
+      </p:par>
+    </p:tnLst>
+  </p:timing>
+</p:sld>
+</file>
+
+<file path=ppt/slides/slide21.xml><?xml version="1.0" encoding="utf-8"?>
 <p:sld xmlns:a="http://schemas.openxmlformats.org/drawingml/2006/main" xmlns:r="http://schemas.openxmlformats.org/officeDocument/2006/relationships" xmlns:p="http://schemas.openxmlformats.org/presentationml/2006/main">
   <p:cSld>
     <p:spTree>
@@ -21084,7 +21452,7 @@
 </p:sld>
 </file>
 
-<file path=ppt/slides/slide21.xml><?xml version="1.0" encoding="utf-8"?>
+<file path=ppt/slides/slide22.xml><?xml version="1.0" encoding="utf-8"?>
 <p:sld xmlns:a="http://schemas.openxmlformats.org/drawingml/2006/main" xmlns:r="http://schemas.openxmlformats.org/officeDocument/2006/relationships" xmlns:p="http://schemas.openxmlformats.org/presentationml/2006/main">
   <p:cSld>
     <p:spTree>
@@ -21198,7 +21566,7 @@
 </p:sld>
 </file>
 
-<file path=ppt/slides/slide22.xml><?xml version="1.0" encoding="utf-8"?>
+<file path=ppt/slides/slide23.xml><?xml version="1.0" encoding="utf-8"?>
 <p:sld xmlns:a="http://schemas.openxmlformats.org/drawingml/2006/main" xmlns:r="http://schemas.openxmlformats.org/officeDocument/2006/relationships" xmlns:p="http://schemas.openxmlformats.org/presentationml/2006/main">
   <p:cSld>
     <p:spTree>
@@ -21299,7 +21667,7 @@
 </p:sld>
 </file>
 
-<file path=ppt/slides/slide23.xml><?xml version="1.0" encoding="utf-8"?>
+<file path=ppt/slides/slide24.xml><?xml version="1.0" encoding="utf-8"?>
 <p:sld xmlns:a="http://schemas.openxmlformats.org/drawingml/2006/main" xmlns:r="http://schemas.openxmlformats.org/officeDocument/2006/relationships" xmlns:p="http://schemas.openxmlformats.org/presentationml/2006/main">
   <p:cSld>
     <p:spTree>
@@ -21411,131 +21779,6 @@
     <p:extLst>
       <p:ext uri="{BB962C8B-B14F-4D97-AF65-F5344CB8AC3E}">
         <p14:creationId xmlns:p14="http://schemas.microsoft.com/office/powerpoint/2010/main" val="3856148039"/>
-      </p:ext>
-    </p:extLst>
-  </p:cSld>
-  <p:clrMapOvr>
-    <a:masterClrMapping/>
-  </p:clrMapOvr>
-</p:sld>
-</file>
-
-<file path=ppt/slides/slide24.xml><?xml version="1.0" encoding="utf-8"?>
-<p:sld xmlns:a="http://schemas.openxmlformats.org/drawingml/2006/main" xmlns:r="http://schemas.openxmlformats.org/officeDocument/2006/relationships" xmlns:p="http://schemas.openxmlformats.org/presentationml/2006/main">
-  <p:cSld>
-    <p:spTree>
-      <p:nvGrpSpPr>
-        <p:cNvPr id="1" name=""/>
-        <p:cNvGrpSpPr/>
-        <p:nvPr/>
-      </p:nvGrpSpPr>
-      <p:grpSpPr>
-        <a:xfrm>
-          <a:off x="0" y="0"/>
-          <a:ext cx="0" cy="0"/>
-          <a:chOff x="0" y="0"/>
-          <a:chExt cx="0" cy="0"/>
-        </a:xfrm>
-      </p:grpSpPr>
-      <p:sp>
-        <p:nvSpPr>
-          <p:cNvPr id="2" name="Titre 1"/>
-          <p:cNvSpPr>
-            <a:spLocks noGrp="1"/>
-          </p:cNvSpPr>
-          <p:nvPr>
-            <p:ph type="title"/>
-          </p:nvPr>
-        </p:nvSpPr>
-        <p:spPr/>
-        <p:txBody>
-          <a:bodyPr/>
-          <a:lstStyle/>
-          <a:p>
-            <a:r>
-              <a:rPr lang="fr-FR" dirty="0" err="1"/>
-              <a:t>UIPath</a:t>
-            </a:r>
-            <a:r>
-              <a:rPr lang="fr-FR" dirty="0"/>
-              <a:t> : Tableau de bord </a:t>
-            </a:r>
-            <a:r>
-              <a:rPr lang="fr-FR" dirty="0" smtClean="0"/>
-              <a:t>2</a:t>
-            </a:r>
-            <a:endParaRPr lang="fr-FR" dirty="0"/>
-          </a:p>
-        </p:txBody>
-      </p:sp>
-      <p:pic>
-        <p:nvPicPr>
-          <p:cNvPr id="5122" name="Picture 2"/>
-          <p:cNvPicPr>
-            <a:picLocks noChangeAspect="1" noChangeArrowheads="1"/>
-          </p:cNvPicPr>
-          <p:nvPr/>
-        </p:nvPicPr>
-        <p:blipFill>
-          <a:blip r:embed="rId2">
-            <a:extLst>
-              <a:ext uri="{28A0092B-C50C-407E-A947-70E740481C1C}">
-                <a14:useLocalDpi xmlns:a14="http://schemas.microsoft.com/office/drawing/2010/main" val="0"/>
-              </a:ext>
-            </a:extLst>
-          </a:blip>
-          <a:srcRect/>
-          <a:stretch>
-            <a:fillRect/>
-          </a:stretch>
-        </p:blipFill>
-        <p:spPr bwMode="auto">
-          <a:xfrm>
-            <a:off x="965214" y="1266552"/>
-            <a:ext cx="7135178" cy="4538712"/>
-          </a:xfrm>
-          <a:prstGeom prst="rect">
-            <a:avLst/>
-          </a:prstGeom>
-          <a:noFill/>
-          <a:ln>
-            <a:noFill/>
-          </a:ln>
-          <a:effectLst/>
-          <a:extLst>
-            <a:ext uri="{909E8E84-426E-40DD-AFC4-6F175D3DCCD1}">
-              <a14:hiddenFill xmlns:a14="http://schemas.microsoft.com/office/drawing/2010/main">
-                <a:solidFill>
-                  <a:schemeClr val="accent1"/>
-                </a:solidFill>
-              </a14:hiddenFill>
-            </a:ext>
-            <a:ext uri="{91240B29-F687-4F45-9708-019B960494DF}">
-              <a14:hiddenLine xmlns:a14="http://schemas.microsoft.com/office/drawing/2010/main" w="9525">
-                <a:solidFill>
-                  <a:schemeClr val="tx1"/>
-                </a:solidFill>
-                <a:miter lim="800000"/>
-                <a:headEnd/>
-                <a:tailEnd/>
-              </a14:hiddenLine>
-            </a:ext>
-            <a:ext uri="{AF507438-7753-43E0-B8FC-AC1667EBCBE1}">
-              <a14:hiddenEffects xmlns:a14="http://schemas.microsoft.com/office/drawing/2010/main">
-                <a:effectLst>
-                  <a:outerShdw dist="35921" dir="2700000" algn="ctr" rotWithShape="0">
-                    <a:schemeClr val="bg2"/>
-                  </a:outerShdw>
-                </a:effectLst>
-              </a14:hiddenEffects>
-            </a:ext>
-          </a:extLst>
-        </p:spPr>
-      </p:pic>
-    </p:spTree>
-    <p:extLst>
-      <p:ext uri="{BB962C8B-B14F-4D97-AF65-F5344CB8AC3E}">
-        <p14:creationId xmlns:p14="http://schemas.microsoft.com/office/powerpoint/2010/main" val="3272358583"/>
       </p:ext>
     </p:extLst>
   </p:cSld>
@@ -21583,11 +21826,11 @@
             </a:r>
             <a:r>
               <a:rPr lang="fr-FR" dirty="0"/>
-              <a:t> : </a:t>
-            </a:r>
-            <a:r>
-              <a:rPr lang="fr-FR" dirty="0" err="1" smtClean="0"/>
-              <a:t>Orchestrator</a:t>
+              <a:t> : Tableau de bord </a:t>
+            </a:r>
+            <a:r>
+              <a:rPr lang="fr-FR" dirty="0" smtClean="0"/>
+              <a:t>2</a:t>
             </a:r>
             <a:endParaRPr lang="fr-FR" dirty="0"/>
           </a:p>
@@ -21595,13 +21838,13 @@
       </p:sp>
       <p:pic>
         <p:nvPicPr>
-          <p:cNvPr id="6146" name="Picture 2"/>
+          <p:cNvPr id="5122" name="Picture 2"/>
           <p:cNvPicPr>
             <a:picLocks noChangeAspect="1" noChangeArrowheads="1"/>
           </p:cNvPicPr>
           <p:nvPr/>
         </p:nvPicPr>
-        <p:blipFill rotWithShape="1">
+        <p:blipFill>
           <a:blip r:embed="rId2">
             <a:extLst>
               <a:ext uri="{28A0092B-C50C-407E-A947-70E740481C1C}">
@@ -21609,13 +21852,15 @@
               </a:ext>
             </a:extLst>
           </a:blip>
-          <a:srcRect b="21774"/>
-          <a:stretch/>
+          <a:srcRect/>
+          <a:stretch>
+            <a:fillRect/>
+          </a:stretch>
         </p:blipFill>
         <p:spPr bwMode="auto">
           <a:xfrm>
-            <a:off x="755576" y="1052736"/>
-            <a:ext cx="7416824" cy="4909914"/>
+            <a:off x="965214" y="1266552"/>
+            <a:ext cx="7135178" cy="4538712"/>
           </a:xfrm>
           <a:prstGeom prst="rect">
             <a:avLst/>
@@ -21658,7 +21903,7 @@
     </p:spTree>
     <p:extLst>
       <p:ext uri="{BB962C8B-B14F-4D97-AF65-F5344CB8AC3E}">
-        <p14:creationId xmlns:p14="http://schemas.microsoft.com/office/powerpoint/2010/main" val="3631999556"/>
+        <p14:creationId xmlns:p14="http://schemas.microsoft.com/office/powerpoint/2010/main" val="3272358583"/>
       </p:ext>
     </p:extLst>
   </p:cSld>
@@ -21701,6 +21946,129 @@
           <a:lstStyle/>
           <a:p>
             <a:r>
+              <a:rPr lang="fr-FR" dirty="0" err="1"/>
+              <a:t>UIPath</a:t>
+            </a:r>
+            <a:r>
+              <a:rPr lang="fr-FR" dirty="0"/>
+              <a:t> : </a:t>
+            </a:r>
+            <a:r>
+              <a:rPr lang="fr-FR" dirty="0" err="1" smtClean="0"/>
+              <a:t>Orchestrator</a:t>
+            </a:r>
+            <a:endParaRPr lang="fr-FR" dirty="0"/>
+          </a:p>
+        </p:txBody>
+      </p:sp>
+      <p:pic>
+        <p:nvPicPr>
+          <p:cNvPr id="6146" name="Picture 2"/>
+          <p:cNvPicPr>
+            <a:picLocks noChangeAspect="1" noChangeArrowheads="1"/>
+          </p:cNvPicPr>
+          <p:nvPr/>
+        </p:nvPicPr>
+        <p:blipFill rotWithShape="1">
+          <a:blip r:embed="rId2">
+            <a:extLst>
+              <a:ext uri="{28A0092B-C50C-407E-A947-70E740481C1C}">
+                <a14:useLocalDpi xmlns:a14="http://schemas.microsoft.com/office/drawing/2010/main" val="0"/>
+              </a:ext>
+            </a:extLst>
+          </a:blip>
+          <a:srcRect b="21774"/>
+          <a:stretch/>
+        </p:blipFill>
+        <p:spPr bwMode="auto">
+          <a:xfrm>
+            <a:off x="755576" y="1052736"/>
+            <a:ext cx="7416824" cy="4909914"/>
+          </a:xfrm>
+          <a:prstGeom prst="rect">
+            <a:avLst/>
+          </a:prstGeom>
+          <a:noFill/>
+          <a:ln>
+            <a:noFill/>
+          </a:ln>
+          <a:effectLst/>
+          <a:extLst>
+            <a:ext uri="{909E8E84-426E-40DD-AFC4-6F175D3DCCD1}">
+              <a14:hiddenFill xmlns:a14="http://schemas.microsoft.com/office/drawing/2010/main">
+                <a:solidFill>
+                  <a:schemeClr val="accent1"/>
+                </a:solidFill>
+              </a14:hiddenFill>
+            </a:ext>
+            <a:ext uri="{91240B29-F687-4F45-9708-019B960494DF}">
+              <a14:hiddenLine xmlns:a14="http://schemas.microsoft.com/office/drawing/2010/main" w="9525">
+                <a:solidFill>
+                  <a:schemeClr val="tx1"/>
+                </a:solidFill>
+                <a:miter lim="800000"/>
+                <a:headEnd/>
+                <a:tailEnd/>
+              </a14:hiddenLine>
+            </a:ext>
+            <a:ext uri="{AF507438-7753-43E0-B8FC-AC1667EBCBE1}">
+              <a14:hiddenEffects xmlns:a14="http://schemas.microsoft.com/office/drawing/2010/main">
+                <a:effectLst>
+                  <a:outerShdw dist="35921" dir="2700000" algn="ctr" rotWithShape="0">
+                    <a:schemeClr val="bg2"/>
+                  </a:outerShdw>
+                </a:effectLst>
+              </a14:hiddenEffects>
+            </a:ext>
+          </a:extLst>
+        </p:spPr>
+      </p:pic>
+    </p:spTree>
+    <p:extLst>
+      <p:ext uri="{BB962C8B-B14F-4D97-AF65-F5344CB8AC3E}">
+        <p14:creationId xmlns:p14="http://schemas.microsoft.com/office/powerpoint/2010/main" val="3631999556"/>
+      </p:ext>
+    </p:extLst>
+  </p:cSld>
+  <p:clrMapOvr>
+    <a:masterClrMapping/>
+  </p:clrMapOvr>
+</p:sld>
+</file>
+
+<file path=ppt/slides/slide27.xml><?xml version="1.0" encoding="utf-8"?>
+<p:sld xmlns:a="http://schemas.openxmlformats.org/drawingml/2006/main" xmlns:r="http://schemas.openxmlformats.org/officeDocument/2006/relationships" xmlns:p="http://schemas.openxmlformats.org/presentationml/2006/main">
+  <p:cSld>
+    <p:spTree>
+      <p:nvGrpSpPr>
+        <p:cNvPr id="1" name=""/>
+        <p:cNvGrpSpPr/>
+        <p:nvPr/>
+      </p:nvGrpSpPr>
+      <p:grpSpPr>
+        <a:xfrm>
+          <a:off x="0" y="0"/>
+          <a:ext cx="0" cy="0"/>
+          <a:chOff x="0" y="0"/>
+          <a:chExt cx="0" cy="0"/>
+        </a:xfrm>
+      </p:grpSpPr>
+      <p:sp>
+        <p:nvSpPr>
+          <p:cNvPr id="2" name="Titre 1"/>
+          <p:cNvSpPr>
+            <a:spLocks noGrp="1"/>
+          </p:cNvSpPr>
+          <p:nvPr>
+            <p:ph type="title"/>
+          </p:nvPr>
+        </p:nvSpPr>
+        <p:spPr/>
+        <p:txBody>
+          <a:bodyPr/>
+          <a:lstStyle/>
+          <a:p>
+            <a:r>
               <a:rPr lang="fr-FR" dirty="0" smtClean="0"/>
               <a:t>Ressources diverses</a:t>
             </a:r>
@@ -21799,6 +22167,131 @@
     <p:extLst>
       <p:ext uri="{BB962C8B-B14F-4D97-AF65-F5344CB8AC3E}">
         <p14:creationId xmlns:p14="http://schemas.microsoft.com/office/powerpoint/2010/main" val="975979834"/>
+      </p:ext>
+    </p:extLst>
+  </p:cSld>
+  <p:clrMapOvr>
+    <a:masterClrMapping/>
+  </p:clrMapOvr>
+</p:sld>
+</file>
+
+<file path=ppt/slides/slide28.xml><?xml version="1.0" encoding="utf-8"?>
+<p:sld xmlns:a="http://schemas.openxmlformats.org/drawingml/2006/main" xmlns:r="http://schemas.openxmlformats.org/officeDocument/2006/relationships" xmlns:p="http://schemas.openxmlformats.org/presentationml/2006/main">
+  <p:cSld>
+    <p:spTree>
+      <p:nvGrpSpPr>
+        <p:cNvPr id="1" name=""/>
+        <p:cNvGrpSpPr/>
+        <p:nvPr/>
+      </p:nvGrpSpPr>
+      <p:grpSpPr>
+        <a:xfrm>
+          <a:off x="0" y="0"/>
+          <a:ext cx="0" cy="0"/>
+          <a:chOff x="0" y="0"/>
+          <a:chExt cx="0" cy="0"/>
+        </a:xfrm>
+      </p:grpSpPr>
+      <p:sp>
+        <p:nvSpPr>
+          <p:cNvPr id="2" name="Titre 1"/>
+          <p:cNvSpPr>
+            <a:spLocks noGrp="1"/>
+          </p:cNvSpPr>
+          <p:nvPr>
+            <p:ph type="title"/>
+          </p:nvPr>
+        </p:nvSpPr>
+        <p:spPr/>
+        <p:txBody>
+          <a:bodyPr/>
+          <a:lstStyle/>
+          <a:p>
+            <a:r>
+              <a:rPr lang="fr-FR" dirty="0" err="1" smtClean="0"/>
+              <a:t>Cerfication</a:t>
+            </a:r>
+            <a:r>
+              <a:rPr lang="fr-FR" dirty="0" smtClean="0"/>
+              <a:t> </a:t>
+            </a:r>
+            <a:r>
+              <a:rPr lang="fr-FR" dirty="0" err="1" smtClean="0"/>
+              <a:t>UIPath</a:t>
+            </a:r>
+            <a:endParaRPr lang="fr-FR" dirty="0"/>
+          </a:p>
+        </p:txBody>
+      </p:sp>
+      <p:pic>
+        <p:nvPicPr>
+          <p:cNvPr id="3074" name="Picture 2"/>
+          <p:cNvPicPr>
+            <a:picLocks noChangeAspect="1" noChangeArrowheads="1"/>
+          </p:cNvPicPr>
+          <p:nvPr/>
+        </p:nvPicPr>
+        <p:blipFill>
+          <a:blip r:embed="rId2">
+            <a:extLst>
+              <a:ext uri="{28A0092B-C50C-407E-A947-70E740481C1C}">
+                <a14:useLocalDpi xmlns:a14="http://schemas.microsoft.com/office/drawing/2010/main" val="0"/>
+              </a:ext>
+            </a:extLst>
+          </a:blip>
+          <a:srcRect/>
+          <a:stretch>
+            <a:fillRect/>
+          </a:stretch>
+        </p:blipFill>
+        <p:spPr bwMode="auto">
+          <a:xfrm>
+            <a:off x="966387" y="1196752"/>
+            <a:ext cx="6989989" cy="4768652"/>
+          </a:xfrm>
+          <a:prstGeom prst="rect">
+            <a:avLst/>
+          </a:prstGeom>
+          <a:noFill/>
+          <a:ln>
+            <a:noFill/>
+          </a:ln>
+          <a:effectLst/>
+          <a:extLst>
+            <a:ext uri="{909E8E84-426E-40DD-AFC4-6F175D3DCCD1}">
+              <a14:hiddenFill xmlns:a14="http://schemas.microsoft.com/office/drawing/2010/main">
+                <a:solidFill>
+                  <a:schemeClr val="accent1"/>
+                </a:solidFill>
+              </a14:hiddenFill>
+            </a:ext>
+            <a:ext uri="{91240B29-F687-4F45-9708-019B960494DF}">
+              <a14:hiddenLine xmlns:a14="http://schemas.microsoft.com/office/drawing/2010/main" w="9525">
+                <a:solidFill>
+                  <a:schemeClr val="tx1"/>
+                </a:solidFill>
+                <a:miter lim="800000"/>
+                <a:headEnd/>
+                <a:tailEnd/>
+              </a14:hiddenLine>
+            </a:ext>
+            <a:ext uri="{AF507438-7753-43E0-B8FC-AC1667EBCBE1}">
+              <a14:hiddenEffects xmlns:a14="http://schemas.microsoft.com/office/drawing/2010/main">
+                <a:effectLst>
+                  <a:outerShdw dist="35921" dir="2700000" algn="ctr" rotWithShape="0">
+                    <a:schemeClr val="bg2"/>
+                  </a:outerShdw>
+                </a:effectLst>
+              </a14:hiddenEffects>
+            </a:ext>
+          </a:extLst>
+        </p:spPr>
+      </p:pic>
+    </p:spTree>
+    <p:extLst>
+      <p:ext uri="{BB962C8B-B14F-4D97-AF65-F5344CB8AC3E}">
+        <p14:creationId xmlns:p14="http://schemas.microsoft.com/office/powerpoint/2010/main" val="493778737"/>
       </p:ext>
     </p:extLst>
   </p:cSld>
@@ -22315,6 +22808,175 @@
           <a:lstStyle/>
           <a:p>
             <a:r>
+              <a:rPr lang="fr-FR" sz="2000" dirty="0">
+                <a:sym typeface="Wingdings" panose="05000000000000000000" pitchFamily="2" charset="2"/>
+              </a:rPr>
+              <a:t> </a:t>
+            </a:r>
+            <a:r>
+              <a:rPr lang="fr-FR" sz="2000" dirty="0"/>
+              <a:t>Les huit raisons humaines pour passer au </a:t>
+            </a:r>
+            <a:r>
+              <a:rPr lang="fr-FR" sz="2000" dirty="0" smtClean="0"/>
+              <a:t>RPA</a:t>
+            </a:r>
+            <a:endParaRPr lang="fr-FR" sz="2000" dirty="0"/>
+          </a:p>
+        </p:txBody>
+      </p:sp>
+      <p:sp>
+        <p:nvSpPr>
+          <p:cNvPr id="3" name="Espace réservé du contenu 2"/>
+          <p:cNvSpPr>
+            <a:spLocks noGrp="1"/>
+          </p:cNvSpPr>
+          <p:nvPr>
+            <p:ph idx="1"/>
+          </p:nvPr>
+        </p:nvSpPr>
+        <p:spPr/>
+        <p:txBody>
+          <a:bodyPr/>
+          <a:lstStyle/>
+          <a:p>
+            <a:pPr>
+              <a:buFont typeface="+mj-lt"/>
+              <a:buAutoNum type="arabicPeriod"/>
+            </a:pPr>
+            <a:r>
+              <a:rPr lang="fr-FR" dirty="0" smtClean="0"/>
+              <a:t>Productivité réduite</a:t>
+            </a:r>
+          </a:p>
+          <a:p>
+            <a:pPr>
+              <a:buFont typeface="+mj-lt"/>
+              <a:buAutoNum type="arabicPeriod"/>
+            </a:pPr>
+            <a:endParaRPr lang="fr-FR" dirty="0" smtClean="0"/>
+          </a:p>
+          <a:p>
+            <a:pPr>
+              <a:buFont typeface="+mj-lt"/>
+              <a:buAutoNum type="arabicPeriod"/>
+            </a:pPr>
+            <a:r>
+              <a:rPr lang="fr-FR" dirty="0" smtClean="0"/>
+              <a:t>Dilution de l’expérience client</a:t>
+            </a:r>
+          </a:p>
+          <a:p>
+            <a:pPr>
+              <a:buFont typeface="+mj-lt"/>
+              <a:buAutoNum type="arabicPeriod"/>
+            </a:pPr>
+            <a:r>
+              <a:rPr lang="fr-FR" dirty="0" smtClean="0"/>
+              <a:t>Facilité moindre</a:t>
+            </a:r>
+          </a:p>
+          <a:p>
+            <a:pPr>
+              <a:buFont typeface="+mj-lt"/>
+              <a:buAutoNum type="arabicPeriod"/>
+            </a:pPr>
+            <a:r>
+              <a:rPr lang="fr-FR" dirty="0" smtClean="0"/>
+              <a:t>Hausse des dépenses</a:t>
+            </a:r>
+          </a:p>
+          <a:p>
+            <a:pPr>
+              <a:buFont typeface="+mj-lt"/>
+              <a:buAutoNum type="arabicPeriod"/>
+            </a:pPr>
+            <a:r>
+              <a:rPr lang="fr-FR" dirty="0" smtClean="0"/>
+              <a:t>Risque en matière de conformité et de sécurité</a:t>
+            </a:r>
+          </a:p>
+          <a:p>
+            <a:pPr>
+              <a:buFont typeface="+mj-lt"/>
+              <a:buAutoNum type="arabicPeriod"/>
+            </a:pPr>
+            <a:r>
+              <a:rPr lang="fr-FR" dirty="0" smtClean="0"/>
+              <a:t>Normalisation insuffisante</a:t>
+            </a:r>
+          </a:p>
+          <a:p>
+            <a:pPr>
+              <a:buFont typeface="+mj-lt"/>
+              <a:buAutoNum type="arabicPeriod"/>
+            </a:pPr>
+            <a:r>
+              <a:rPr lang="fr-FR" dirty="0" smtClean="0"/>
+              <a:t>Manque de visibilité des processus et analyse décisionnelle incomplète</a:t>
+            </a:r>
+          </a:p>
+          <a:p>
+            <a:pPr>
+              <a:buFont typeface="+mj-lt"/>
+              <a:buAutoNum type="arabicPeriod"/>
+            </a:pPr>
+            <a:r>
+              <a:rPr lang="fr-FR" dirty="0" smtClean="0"/>
+              <a:t>Souplesse limitée</a:t>
+            </a:r>
+          </a:p>
+          <a:p>
+            <a:endParaRPr lang="fr-FR" dirty="0"/>
+          </a:p>
+        </p:txBody>
+      </p:sp>
+    </p:spTree>
+    <p:extLst>
+      <p:ext uri="{BB962C8B-B14F-4D97-AF65-F5344CB8AC3E}">
+        <p14:creationId xmlns:p14="http://schemas.microsoft.com/office/powerpoint/2010/main" val="2643540803"/>
+      </p:ext>
+    </p:extLst>
+  </p:cSld>
+  <p:clrMapOvr>
+    <a:masterClrMapping/>
+  </p:clrMapOvr>
+</p:sld>
+</file>
+
+<file path=ppt/slides/slide7.xml><?xml version="1.0" encoding="utf-8"?>
+<p:sld xmlns:a="http://schemas.openxmlformats.org/drawingml/2006/main" xmlns:r="http://schemas.openxmlformats.org/officeDocument/2006/relationships" xmlns:p="http://schemas.openxmlformats.org/presentationml/2006/main">
+  <p:cSld>
+    <p:spTree>
+      <p:nvGrpSpPr>
+        <p:cNvPr id="1" name=""/>
+        <p:cNvGrpSpPr/>
+        <p:nvPr/>
+      </p:nvGrpSpPr>
+      <p:grpSpPr>
+        <a:xfrm>
+          <a:off x="0" y="0"/>
+          <a:ext cx="0" cy="0"/>
+          <a:chOff x="0" y="0"/>
+          <a:chExt cx="0" cy="0"/>
+        </a:xfrm>
+      </p:grpSpPr>
+      <p:sp>
+        <p:nvSpPr>
+          <p:cNvPr id="2" name="Titre 1"/>
+          <p:cNvSpPr>
+            <a:spLocks noGrp="1"/>
+          </p:cNvSpPr>
+          <p:nvPr>
+            <p:ph type="title"/>
+          </p:nvPr>
+        </p:nvSpPr>
+        <p:spPr/>
+        <p:txBody>
+          <a:bodyPr/>
+          <a:lstStyle/>
+          <a:p>
+            <a:r>
               <a:rPr lang="fr-FR" dirty="0"/>
               <a:t>2. Qu’est-ce qu’un RPA </a:t>
             </a:r>
@@ -22553,7 +23215,7 @@
 </p:sld>
 </file>
 
-<file path=ppt/slides/slide7.xml><?xml version="1.0" encoding="utf-8"?>
+<file path=ppt/slides/slide8.xml><?xml version="1.0" encoding="utf-8"?>
 <p:sld xmlns:a="http://schemas.openxmlformats.org/drawingml/2006/main" xmlns:r="http://schemas.openxmlformats.org/officeDocument/2006/relationships" xmlns:p="http://schemas.openxmlformats.org/presentationml/2006/main">
   <p:cSld>
     <p:spTree>
@@ -22650,565 +23312,6 @@
 </p:sld>
 </file>
 
-<file path=ppt/slides/slide8.xml><?xml version="1.0" encoding="utf-8"?>
-<p:sld xmlns:a="http://schemas.openxmlformats.org/drawingml/2006/main" xmlns:r="http://schemas.openxmlformats.org/officeDocument/2006/relationships" xmlns:p="http://schemas.openxmlformats.org/presentationml/2006/main">
-  <p:cSld>
-    <p:spTree>
-      <p:nvGrpSpPr>
-        <p:cNvPr id="1" name=""/>
-        <p:cNvGrpSpPr/>
-        <p:nvPr/>
-      </p:nvGrpSpPr>
-      <p:grpSpPr>
-        <a:xfrm>
-          <a:off x="0" y="0"/>
-          <a:ext cx="0" cy="0"/>
-          <a:chOff x="0" y="0"/>
-          <a:chExt cx="0" cy="0"/>
-        </a:xfrm>
-      </p:grpSpPr>
-      <p:sp>
-        <p:nvSpPr>
-          <p:cNvPr id="2" name="Titre 1"/>
-          <p:cNvSpPr>
-            <a:spLocks noGrp="1"/>
-          </p:cNvSpPr>
-          <p:nvPr>
-            <p:ph type="title"/>
-          </p:nvPr>
-        </p:nvSpPr>
-        <p:spPr/>
-        <p:txBody>
-          <a:bodyPr/>
-          <a:lstStyle/>
-          <a:p>
-            <a:r>
-              <a:rPr lang="fr-FR" dirty="0" smtClean="0"/>
-              <a:t>3. Bénéfice du RPA</a:t>
-            </a:r>
-            <a:endParaRPr lang="fr-FR" dirty="0"/>
-          </a:p>
-        </p:txBody>
-      </p:sp>
-      <p:sp>
-        <p:nvSpPr>
-          <p:cNvPr id="3" name="Espace réservé du contenu 2"/>
-          <p:cNvSpPr>
-            <a:spLocks noGrp="1"/>
-          </p:cNvSpPr>
-          <p:nvPr>
-            <p:ph idx="1"/>
-          </p:nvPr>
-        </p:nvSpPr>
-        <p:spPr/>
-        <p:txBody>
-          <a:bodyPr/>
-          <a:lstStyle/>
-          <a:p>
-            <a:pPr marL="171450" indent="-171450">
-              <a:buFont typeface="Arial" panose="020B0604020202020204" pitchFamily="34" charset="0"/>
-              <a:buChar char="•"/>
-            </a:pPr>
-            <a:r>
-              <a:rPr lang="fr-FR" sz="1200" b="1" dirty="0"/>
-              <a:t>Augmentation de l’efficacité opérationnelle </a:t>
-            </a:r>
-          </a:p>
-          <a:p>
-            <a:pPr lvl="2">
-              <a:buClr>
-                <a:schemeClr val="accent1"/>
-              </a:buClr>
-              <a:buFont typeface="Arial" panose="020B0604020202020204" pitchFamily="34" charset="0"/>
-              <a:buChar char="•"/>
-            </a:pPr>
-            <a:r>
-              <a:rPr lang="fr-FR" sz="1100" dirty="0">
-                <a:solidFill>
-                  <a:schemeClr val="tx1"/>
-                </a:solidFill>
-              </a:rPr>
-              <a:t>Réduction des temps de traitement</a:t>
-            </a:r>
-          </a:p>
-          <a:p>
-            <a:pPr lvl="2">
-              <a:buClr>
-                <a:schemeClr val="accent1"/>
-              </a:buClr>
-              <a:buFont typeface="Arial" panose="020B0604020202020204" pitchFamily="34" charset="0"/>
-              <a:buChar char="•"/>
-            </a:pPr>
-            <a:r>
-              <a:rPr lang="fr-FR" sz="1100" dirty="0">
-                <a:solidFill>
-                  <a:schemeClr val="tx1"/>
-                </a:solidFill>
-              </a:rPr>
-              <a:t>Exécution possible 24h/24 7j/7</a:t>
-            </a:r>
-          </a:p>
-          <a:p>
-            <a:pPr lvl="2">
-              <a:buClr>
-                <a:schemeClr val="accent1"/>
-              </a:buClr>
-              <a:buFont typeface="Arial" panose="020B0604020202020204" pitchFamily="34" charset="0"/>
-              <a:buChar char="•"/>
-            </a:pPr>
-            <a:r>
-              <a:rPr lang="fr-FR" sz="1100" dirty="0">
-                <a:solidFill>
-                  <a:schemeClr val="tx1"/>
-                </a:solidFill>
-              </a:rPr>
-              <a:t>Réduction des tâches manuelles et réaffectation des ressources sur des tâches à valeur ajoutée</a:t>
-            </a:r>
-          </a:p>
-          <a:p>
-            <a:pPr lvl="2">
-              <a:buClr>
-                <a:schemeClr val="accent1"/>
-              </a:buClr>
-              <a:buFont typeface="Arial" panose="020B0604020202020204" pitchFamily="34" charset="0"/>
-              <a:buChar char="•"/>
-            </a:pPr>
-            <a:r>
-              <a:rPr lang="fr-FR" sz="1100" dirty="0">
-                <a:solidFill>
-                  <a:schemeClr val="tx1"/>
-                </a:solidFill>
-              </a:rPr>
-              <a:t>Diminution du risque opérationnel en sécurisant les processus et en </a:t>
-            </a:r>
-            <a:r>
-              <a:rPr lang="fr-FR" sz="1100" dirty="0" smtClean="0">
-                <a:solidFill>
-                  <a:schemeClr val="tx1"/>
-                </a:solidFill>
-              </a:rPr>
-              <a:t>augmentant </a:t>
-            </a:r>
-            <a:r>
-              <a:rPr lang="fr-FR" sz="1100" dirty="0">
-                <a:solidFill>
-                  <a:schemeClr val="tx1"/>
-                </a:solidFill>
-              </a:rPr>
-              <a:t>la qualité des données (renforcement des contrôles)</a:t>
-            </a:r>
-          </a:p>
-          <a:p>
-            <a:pPr lvl="2">
-              <a:buClr>
-                <a:schemeClr val="accent1"/>
-              </a:buClr>
-              <a:buFont typeface="Arial" panose="020B0604020202020204" pitchFamily="34" charset="0"/>
-              <a:buChar char="•"/>
-            </a:pPr>
-            <a:r>
-              <a:rPr lang="fr-FR" sz="1100" dirty="0">
-                <a:solidFill>
-                  <a:schemeClr val="tx1"/>
-                </a:solidFill>
-              </a:rPr>
-              <a:t>Mise en place </a:t>
-            </a:r>
-            <a:r>
-              <a:rPr lang="fr-FR" sz="1100" dirty="0" smtClean="0">
-                <a:solidFill>
-                  <a:schemeClr val="tx1"/>
-                </a:solidFill>
-              </a:rPr>
-              <a:t>d’indicateurs</a:t>
-            </a:r>
-            <a:endParaRPr lang="fr-FR" sz="1100" dirty="0">
-              <a:solidFill>
-                <a:schemeClr val="accent1"/>
-              </a:solidFill>
-            </a:endParaRPr>
-          </a:p>
-          <a:p>
-            <a:pPr marL="171450" indent="-171450">
-              <a:buFont typeface="Arial" panose="020B0604020202020204" pitchFamily="34" charset="0"/>
-              <a:buChar char="•"/>
-            </a:pPr>
-            <a:r>
-              <a:rPr lang="fr-FR" sz="1200" b="1" dirty="0"/>
-              <a:t>Nouvelle offre IT</a:t>
-            </a:r>
-          </a:p>
-          <a:p>
-            <a:pPr lvl="2">
-              <a:buClr>
-                <a:schemeClr val="accent1"/>
-              </a:buClr>
-              <a:buFont typeface="Arial" panose="020B0604020202020204" pitchFamily="34" charset="0"/>
-              <a:buChar char="•"/>
-            </a:pPr>
-            <a:r>
-              <a:rPr lang="fr-FR" sz="1100" dirty="0">
-                <a:solidFill>
-                  <a:schemeClr val="tx1"/>
-                </a:solidFill>
-              </a:rPr>
-              <a:t>A prendre en compte dans l’élaboration des solutions des projets IT</a:t>
-            </a:r>
-          </a:p>
-          <a:p>
-            <a:pPr lvl="2">
-              <a:buClr>
-                <a:schemeClr val="accent1"/>
-              </a:buClr>
-              <a:buFont typeface="Arial" panose="020B0604020202020204" pitchFamily="34" charset="0"/>
-              <a:buChar char="•"/>
-            </a:pPr>
-            <a:r>
-              <a:rPr lang="fr-FR" sz="1100" dirty="0">
-                <a:solidFill>
-                  <a:schemeClr val="tx1"/>
-                </a:solidFill>
-              </a:rPr>
-              <a:t>Pour une </a:t>
-            </a:r>
-            <a:r>
-              <a:rPr lang="fr-FR" sz="1100" dirty="0" err="1">
-                <a:solidFill>
-                  <a:schemeClr val="tx1"/>
-                </a:solidFill>
-              </a:rPr>
-              <a:t>ré-évaluation</a:t>
-            </a:r>
-            <a:r>
-              <a:rPr lang="fr-FR" sz="1100" dirty="0">
-                <a:solidFill>
-                  <a:schemeClr val="tx1"/>
-                </a:solidFill>
-              </a:rPr>
-              <a:t> de projets abandonnés </a:t>
-            </a:r>
-          </a:p>
-          <a:p>
-            <a:pPr lvl="2">
-              <a:buClr>
-                <a:schemeClr val="accent1"/>
-              </a:buClr>
-              <a:buFont typeface="Arial" panose="020B0604020202020204" pitchFamily="34" charset="0"/>
-              <a:buChar char="•"/>
-            </a:pPr>
-            <a:r>
-              <a:rPr lang="en-US" sz="1100" dirty="0">
-                <a:solidFill>
-                  <a:schemeClr val="tx1"/>
-                </a:solidFill>
-              </a:rPr>
-              <a:t>Interface entre les </a:t>
-            </a:r>
-            <a:r>
-              <a:rPr lang="en-US" sz="1100" dirty="0" err="1">
-                <a:solidFill>
-                  <a:schemeClr val="tx1"/>
-                </a:solidFill>
-              </a:rPr>
-              <a:t>nouvelles</a:t>
-            </a:r>
-            <a:r>
-              <a:rPr lang="en-US" sz="1100" dirty="0">
-                <a:solidFill>
-                  <a:schemeClr val="tx1"/>
-                </a:solidFill>
-              </a:rPr>
-              <a:t> solutions </a:t>
-            </a:r>
-            <a:r>
-              <a:rPr lang="en-US" sz="1100" dirty="0" err="1">
-                <a:solidFill>
-                  <a:schemeClr val="tx1"/>
-                </a:solidFill>
-              </a:rPr>
-              <a:t>digitales</a:t>
-            </a:r>
-            <a:r>
-              <a:rPr lang="en-US" sz="1100" dirty="0">
-                <a:solidFill>
-                  <a:schemeClr val="tx1"/>
-                </a:solidFill>
-              </a:rPr>
-              <a:t> et le Legacy </a:t>
-            </a:r>
-            <a:r>
-              <a:rPr lang="en-US" sz="1100" dirty="0" smtClean="0">
-                <a:solidFill>
-                  <a:schemeClr val="tx1"/>
-                </a:solidFill>
-              </a:rPr>
-              <a:t>IT</a:t>
-            </a:r>
-            <a:endParaRPr lang="fr-FR" sz="1100" dirty="0">
-              <a:solidFill>
-                <a:schemeClr val="accent1"/>
-              </a:solidFill>
-            </a:endParaRPr>
-          </a:p>
-          <a:p>
-            <a:pPr marL="171450" lvl="2" indent="-171450">
-              <a:buClr>
-                <a:schemeClr val="accent1"/>
-              </a:buClr>
-              <a:buFont typeface="Arial" panose="020B0604020202020204" pitchFamily="34" charset="0"/>
-              <a:buChar char="•"/>
-            </a:pPr>
-            <a:r>
-              <a:rPr lang="fr-FR" sz="1200" b="1" dirty="0">
-                <a:solidFill>
-                  <a:schemeClr val="tx1"/>
-                </a:solidFill>
-              </a:rPr>
-              <a:t>Retour sur investissement</a:t>
-            </a:r>
-          </a:p>
-          <a:p>
-            <a:pPr lvl="2">
-              <a:buClr>
-                <a:schemeClr val="accent1"/>
-              </a:buClr>
-              <a:buFont typeface="Arial" panose="020B0604020202020204" pitchFamily="34" charset="0"/>
-              <a:buChar char="•"/>
-            </a:pPr>
-            <a:r>
-              <a:rPr lang="fr-FR" sz="1100" dirty="0">
-                <a:solidFill>
-                  <a:schemeClr val="tx1"/>
-                </a:solidFill>
-              </a:rPr>
-              <a:t>Solution peu onéreuse</a:t>
-            </a:r>
-          </a:p>
-          <a:p>
-            <a:pPr lvl="2">
-              <a:buClr>
-                <a:schemeClr val="accent1"/>
-              </a:buClr>
-              <a:buFont typeface="Arial" panose="020B0604020202020204" pitchFamily="34" charset="0"/>
-              <a:buChar char="•"/>
-            </a:pPr>
-            <a:r>
-              <a:rPr lang="fr-FR" sz="1100" dirty="0">
-                <a:solidFill>
-                  <a:schemeClr val="tx1"/>
-                </a:solidFill>
-              </a:rPr>
-              <a:t>Intégration rapide</a:t>
-            </a:r>
-          </a:p>
-          <a:p>
-            <a:pPr lvl="2">
-              <a:buClr>
-                <a:schemeClr val="accent1"/>
-              </a:buClr>
-              <a:buFont typeface="Arial" panose="020B0604020202020204" pitchFamily="34" charset="0"/>
-              <a:buChar char="•"/>
-            </a:pPr>
-            <a:r>
-              <a:rPr lang="fr-FR" sz="1100" dirty="0">
-                <a:solidFill>
-                  <a:schemeClr val="tx1"/>
-                </a:solidFill>
-              </a:rPr>
-              <a:t>Prise en main et manipulation relativement simple si on a une culture </a:t>
-            </a:r>
-            <a:r>
-              <a:rPr lang="fr-FR" sz="1100" dirty="0" err="1">
-                <a:solidFill>
-                  <a:schemeClr val="tx1"/>
-                </a:solidFill>
-              </a:rPr>
-              <a:t>process</a:t>
-            </a:r>
-            <a:r>
-              <a:rPr lang="fr-FR" sz="1100" dirty="0">
-                <a:solidFill>
-                  <a:schemeClr val="tx1"/>
-                </a:solidFill>
-              </a:rPr>
-              <a:t> et quelques connaissance en informatique</a:t>
-            </a:r>
-          </a:p>
-          <a:p>
-            <a:pPr lvl="2">
-              <a:buClr>
-                <a:schemeClr val="accent1"/>
-              </a:buClr>
-              <a:buFont typeface="Arial" panose="020B0604020202020204" pitchFamily="34" charset="0"/>
-              <a:buChar char="•"/>
-            </a:pPr>
-            <a:r>
-              <a:rPr lang="fr-FR" sz="1100" dirty="0">
-                <a:solidFill>
-                  <a:schemeClr val="tx1"/>
-                </a:solidFill>
-              </a:rPr>
-              <a:t>Volumétrie de traitement augmentée </a:t>
-            </a:r>
-          </a:p>
-          <a:p>
-            <a:pPr lvl="2">
-              <a:buClr>
-                <a:schemeClr val="accent1"/>
-              </a:buClr>
-              <a:buFont typeface="Arial" panose="020B0604020202020204" pitchFamily="34" charset="0"/>
-              <a:buChar char="•"/>
-            </a:pPr>
-            <a:r>
-              <a:rPr lang="fr-FR" sz="1100" dirty="0">
-                <a:solidFill>
-                  <a:schemeClr val="tx1"/>
-                </a:solidFill>
-              </a:rPr>
-              <a:t>Fiabilisation des données</a:t>
-            </a:r>
-          </a:p>
-          <a:p>
-            <a:pPr lvl="2">
-              <a:buClr>
-                <a:schemeClr val="accent1"/>
-              </a:buClr>
-              <a:buFont typeface="Arial" panose="020B0604020202020204" pitchFamily="34" charset="0"/>
-              <a:buChar char="•"/>
-            </a:pPr>
-            <a:r>
-              <a:rPr lang="fr-FR" sz="1100" dirty="0">
-                <a:solidFill>
-                  <a:schemeClr val="tx1"/>
-                </a:solidFill>
-              </a:rPr>
-              <a:t>Réduction des temps de </a:t>
-            </a:r>
-            <a:r>
-              <a:rPr lang="fr-FR" sz="1100" dirty="0" smtClean="0">
-                <a:solidFill>
-                  <a:schemeClr val="tx1"/>
-                </a:solidFill>
-              </a:rPr>
-              <a:t>cycle</a:t>
-            </a:r>
-            <a:endParaRPr lang="fr-FR" sz="1100" dirty="0">
-              <a:solidFill>
-                <a:schemeClr val="accent1"/>
-              </a:solidFill>
-            </a:endParaRPr>
-          </a:p>
-          <a:p>
-            <a:pPr marL="171450" lvl="2" indent="-171450">
-              <a:buClr>
-                <a:schemeClr val="accent1"/>
-              </a:buClr>
-              <a:buFont typeface="Arial" panose="020B0604020202020204" pitchFamily="34" charset="0"/>
-              <a:buChar char="•"/>
-            </a:pPr>
-            <a:r>
-              <a:rPr lang="fr-FR" sz="1200" b="1" dirty="0">
-                <a:solidFill>
-                  <a:schemeClr val="tx1"/>
-                </a:solidFill>
-              </a:rPr>
-              <a:t>Conformité</a:t>
-            </a:r>
-          </a:p>
-          <a:p>
-            <a:pPr lvl="2">
-              <a:buClr>
-                <a:schemeClr val="accent1"/>
-              </a:buClr>
-              <a:buFont typeface="Arial" panose="020B0604020202020204" pitchFamily="34" charset="0"/>
-              <a:buChar char="•"/>
-            </a:pPr>
-            <a:r>
-              <a:rPr lang="fr-FR" sz="1100" dirty="0">
-                <a:solidFill>
-                  <a:schemeClr val="tx1"/>
-                </a:solidFill>
-              </a:rPr>
-              <a:t>Solution non intrusive, peu d’impact sur l’existant IT</a:t>
-            </a:r>
-          </a:p>
-          <a:p>
-            <a:pPr lvl="2">
-              <a:buClr>
-                <a:schemeClr val="accent1"/>
-              </a:buClr>
-              <a:buFont typeface="Arial" panose="020B0604020202020204" pitchFamily="34" charset="0"/>
-              <a:buChar char="•"/>
-            </a:pPr>
-            <a:r>
-              <a:rPr lang="fr-FR" sz="1100" dirty="0">
-                <a:solidFill>
-                  <a:schemeClr val="tx1"/>
-                </a:solidFill>
-              </a:rPr>
-              <a:t>Solution entièrement </a:t>
-            </a:r>
-            <a:r>
-              <a:rPr lang="fr-FR" sz="1100" dirty="0" err="1">
-                <a:solidFill>
-                  <a:schemeClr val="tx1"/>
-                </a:solidFill>
-              </a:rPr>
-              <a:t>auditable</a:t>
-            </a:r>
-            <a:endParaRPr lang="fr-FR" sz="1100" dirty="0">
-              <a:solidFill>
-                <a:schemeClr val="tx1"/>
-              </a:solidFill>
-            </a:endParaRPr>
-          </a:p>
-          <a:p>
-            <a:pPr lvl="2">
-              <a:buClr>
-                <a:schemeClr val="accent1"/>
-              </a:buClr>
-              <a:buFont typeface="Arial" panose="020B0604020202020204" pitchFamily="34" charset="0"/>
-              <a:buChar char="•"/>
-            </a:pPr>
-            <a:r>
-              <a:rPr lang="fr-FR" sz="1100" dirty="0" err="1">
-                <a:solidFill>
-                  <a:schemeClr val="tx1"/>
-                </a:solidFill>
-              </a:rPr>
-              <a:t>Dashboards</a:t>
-            </a:r>
-            <a:r>
-              <a:rPr lang="fr-FR" sz="1100" dirty="0">
-                <a:solidFill>
-                  <a:schemeClr val="tx1"/>
-                </a:solidFill>
-              </a:rPr>
-              <a:t> pour diriger l'activité VA </a:t>
-            </a:r>
-          </a:p>
-        </p:txBody>
-      </p:sp>
-    </p:spTree>
-    <p:extLst>
-      <p:ext uri="{BB962C8B-B14F-4D97-AF65-F5344CB8AC3E}">
-        <p14:creationId xmlns:p14="http://schemas.microsoft.com/office/powerpoint/2010/main" val="2096524223"/>
-      </p:ext>
-    </p:extLst>
-  </p:cSld>
-  <p:clrMapOvr>
-    <a:masterClrMapping/>
-  </p:clrMapOvr>
-  <p:timing>
-    <p:tnLst>
-      <p:par>
-        <p:cTn id="1" dur="indefinite" restart="never" nodeType="tmRoot"/>
-      </p:par>
-    </p:tnLst>
-  </p:timing>
-</p:sld>
-</file>
-
 <file path=ppt/slides/slide9.xml><?xml version="1.0" encoding="utf-8"?>
 <p:sld xmlns:a="http://schemas.openxmlformats.org/drawingml/2006/main" xmlns:r="http://schemas.openxmlformats.org/officeDocument/2006/relationships" xmlns:p="http://schemas.openxmlformats.org/presentationml/2006/main">
   <p:cSld>
@@ -23243,7 +23346,7 @@
           <a:p>
             <a:r>
               <a:rPr lang="fr-FR" dirty="0" smtClean="0"/>
-              <a:t>4. Cas d’utilisation</a:t>
+              <a:t>3. Bénéfice du RPA</a:t>
             </a:r>
             <a:endParaRPr lang="fr-FR" dirty="0"/>
           </a:p>
@@ -23264,19 +23367,14 @@
           <a:bodyPr/>
           <a:lstStyle/>
           <a:p>
-            <a:pPr marL="285750" indent="-285750">
+            <a:pPr marL="171450" indent="-171450">
               <a:buFont typeface="Arial" panose="020B0604020202020204" pitchFamily="34" charset="0"/>
               <a:buChar char="•"/>
             </a:pPr>
             <a:r>
-              <a:rPr lang="fr-FR" b="1" dirty="0"/>
-              <a:t>Synchronisation </a:t>
-            </a:r>
-            <a:r>
-              <a:rPr lang="fr-FR" b="1" dirty="0" smtClean="0"/>
-              <a:t>entre métiers Front Office – Back Office</a:t>
-            </a:r>
-            <a:endParaRPr lang="fr-FR" b="1" dirty="0"/>
+              <a:rPr lang="fr-FR" sz="1200" b="1" dirty="0"/>
+              <a:t>Augmentation de l’efficacité opérationnelle </a:t>
+            </a:r>
           </a:p>
           <a:p>
             <a:pPr lvl="2">
@@ -23287,32 +23385,12 @@
               <a:buChar char="•"/>
             </a:pPr>
             <a:r>
-              <a:rPr lang="fr-FR" sz="1050" dirty="0">
+              <a:rPr lang="fr-FR" sz="1100" dirty="0">
                 <a:solidFill>
                   <a:schemeClr val="tx1"/>
                 </a:solidFill>
               </a:rPr>
-              <a:t>Capacité à mener des processus Front-to-Back, entre silos applicatifs, avec vitesse et rigueur</a:t>
-            </a:r>
-          </a:p>
-          <a:p>
-            <a:pPr marL="171450" indent="-171450">
-              <a:buClr>
-                <a:schemeClr val="accent1"/>
-              </a:buClr>
-              <a:buFont typeface="Arial" panose="020B0604020202020204" pitchFamily="34" charset="0"/>
-              <a:buChar char="•"/>
-            </a:pPr>
-            <a:endParaRPr lang="fr-FR" sz="1050" dirty="0"/>
-          </a:p>
-          <a:p>
-            <a:pPr marL="285750" indent="-285750">
-              <a:buFont typeface="Arial" panose="020B0604020202020204" pitchFamily="34" charset="0"/>
-              <a:buChar char="•"/>
-            </a:pPr>
-            <a:r>
-              <a:rPr lang="fr-FR" b="1" dirty="0"/>
-              <a:t>Prise en charge de tâches répétitives, laborieuses, à risque d’erreur</a:t>
+              <a:t>Réduction des temps de traitement</a:t>
             </a:r>
           </a:p>
           <a:p>
@@ -23324,29 +23402,12 @@
               <a:buChar char="•"/>
             </a:pPr>
             <a:r>
-              <a:rPr lang="fr-FR" sz="1050" dirty="0">
+              <a:rPr lang="fr-FR" sz="1100" dirty="0">
                 <a:solidFill>
                   <a:schemeClr val="tx1"/>
                 </a:solidFill>
               </a:rPr>
-              <a:t>Ressaisies entre 2 outils, processus de rapprochements</a:t>
-            </a:r>
-          </a:p>
-          <a:p>
-            <a:pPr marL="285750" indent="-285750">
-              <a:buFont typeface="Arial" panose="020B0604020202020204" pitchFamily="34" charset="0"/>
-              <a:buChar char="•"/>
-            </a:pPr>
-            <a:endParaRPr lang="fr-FR" dirty="0"/>
-          </a:p>
-          <a:p>
-            <a:pPr marL="285750" indent="-285750">
-              <a:buFont typeface="Arial" panose="020B0604020202020204" pitchFamily="34" charset="0"/>
-              <a:buChar char="•"/>
-            </a:pPr>
-            <a:r>
-              <a:rPr lang="fr-FR" b="1" dirty="0"/>
-              <a:t>Préparation et mise à disposition de tableaux de bords</a:t>
+              <a:t>Exécution possible 24h/24 7j/7</a:t>
             </a:r>
           </a:p>
           <a:p>
@@ -23358,12 +23419,12 @@
               <a:buChar char="•"/>
             </a:pPr>
             <a:r>
-              <a:rPr lang="fr-FR" sz="1050" dirty="0">
+              <a:rPr lang="fr-FR" sz="1100" dirty="0">
                 <a:solidFill>
                   <a:schemeClr val="tx1"/>
                 </a:solidFill>
               </a:rPr>
-              <a:t>Consolidation, formatage, distribution de données provenant de sources multiples</a:t>
+              <a:t>Réduction des tâches manuelles et réaffectation des ressources sur des tâches à valeur ajoutée</a:t>
             </a:r>
           </a:p>
           <a:p>
@@ -23375,34 +23436,28 @@
               <a:buChar char="•"/>
             </a:pPr>
             <a:r>
-              <a:rPr lang="fr-FR" sz="1050" dirty="0">
+              <a:rPr lang="fr-FR" sz="1100" dirty="0">
                 <a:solidFill>
                   <a:schemeClr val="tx1"/>
                 </a:solidFill>
               </a:rPr>
-              <a:t>Application de contrôles</a:t>
-            </a:r>
-          </a:p>
-          <a:p>
-            <a:pPr lvl="2">
-              <a:buClr>
-                <a:schemeClr val="accent1"/>
-              </a:buClr>
-            </a:pPr>
-            <a:endParaRPr lang="fr-FR" sz="1050" dirty="0">
-              <a:solidFill>
-                <a:schemeClr val="accent1"/>
-              </a:solidFill>
-            </a:endParaRPr>
-          </a:p>
-          <a:p>
-            <a:pPr marL="285750" indent="-285750">
-              <a:buFont typeface="Arial" panose="020B0604020202020204" pitchFamily="34" charset="0"/>
-              <a:buChar char="•"/>
-            </a:pPr>
-            <a:r>
-              <a:rPr lang="fr-FR" b="1" dirty="0"/>
-              <a:t>Mise en œuvre systématique de contrôles qualité, conformité, génération de pistes d’audit</a:t>
+              <a:t>Diminution du risque opérationnel en sécurisant les processus et en </a:t>
+            </a:r>
+            <a:r>
+              <a:rPr lang="fr-FR" sz="1100" dirty="0" smtClean="0">
+                <a:solidFill>
+                  <a:schemeClr val="tx1"/>
+                </a:solidFill>
+              </a:rPr>
+              <a:t>augmentant </a:t>
+            </a:r>
+            <a:r>
+              <a:rPr lang="fr-FR" sz="1100" dirty="0">
+                <a:solidFill>
+                  <a:schemeClr val="tx1"/>
+                </a:solidFill>
+              </a:rPr>
+              <a:t>la qualité des données (renforcement des contrôles)</a:t>
             </a:r>
           </a:p>
           <a:p>
@@ -23414,12 +23469,35 @@
               <a:buChar char="•"/>
             </a:pPr>
             <a:r>
-              <a:rPr lang="fr-FR" sz="1050" dirty="0">
+              <a:rPr lang="fr-FR" sz="1100" dirty="0">
                 <a:solidFill>
                   <a:schemeClr val="tx1"/>
                 </a:solidFill>
               </a:rPr>
-              <a:t>Levée immédiate d’alertes et envois de mails en escalade en cas de détection d’anomalie</a:t>
+              <a:t>Mise en place </a:t>
+            </a:r>
+            <a:r>
+              <a:rPr lang="fr-FR" sz="1100" dirty="0" smtClean="0">
+                <a:solidFill>
+                  <a:schemeClr val="tx1"/>
+                </a:solidFill>
+              </a:rPr>
+              <a:t>d’indicateurs</a:t>
+            </a:r>
+            <a:endParaRPr lang="fr-FR" sz="1100" dirty="0">
+              <a:solidFill>
+                <a:schemeClr val="accent1"/>
+              </a:solidFill>
+            </a:endParaRPr>
+          </a:p>
+          <a:p>
+            <a:pPr marL="171450" indent="-171450">
+              <a:buFont typeface="Arial" panose="020B0604020202020204" pitchFamily="34" charset="0"/>
+              <a:buChar char="•"/>
+            </a:pPr>
+            <a:r>
+              <a:rPr lang="fr-FR" sz="1200" b="1" dirty="0"/>
+              <a:t>Nouvelle offre IT</a:t>
             </a:r>
           </a:p>
           <a:p>
@@ -23431,47 +23509,12 @@
               <a:buChar char="•"/>
             </a:pPr>
             <a:r>
-              <a:rPr lang="fr-FR" sz="1050" dirty="0">
+              <a:rPr lang="fr-FR" sz="1100" dirty="0">
                 <a:solidFill>
                   <a:schemeClr val="tx1"/>
                 </a:solidFill>
               </a:rPr>
-              <a:t>Amélioration de la gestion du risque par des processus précis, répétables, </a:t>
-            </a:r>
-            <a:r>
-              <a:rPr lang="fr-FR" sz="1050" dirty="0" err="1">
-                <a:solidFill>
-                  <a:schemeClr val="tx1"/>
-                </a:solidFill>
-              </a:rPr>
-              <a:t>auditables</a:t>
-            </a:r>
-            <a:endParaRPr lang="fr-FR" sz="1050" dirty="0">
-              <a:solidFill>
-                <a:schemeClr val="tx1"/>
-              </a:solidFill>
-            </a:endParaRPr>
-          </a:p>
-          <a:p>
-            <a:pPr lvl="2">
-              <a:buClr>
-                <a:schemeClr val="accent1"/>
-              </a:buClr>
-            </a:pPr>
-            <a:endParaRPr lang="fr-FR" sz="1100" dirty="0">
-              <a:solidFill>
-                <a:schemeClr val="accent1"/>
-              </a:solidFill>
-            </a:endParaRPr>
-          </a:p>
-          <a:p>
-            <a:pPr marL="285750" indent="-285750">
-              <a:buFont typeface="Arial" panose="020B0604020202020204" pitchFamily="34" charset="0"/>
-              <a:buChar char="•"/>
-            </a:pPr>
-            <a:r>
-              <a:rPr lang="fr-FR" b="1" dirty="0"/>
-              <a:t>Prise en charge de travaux en débordement</a:t>
+              <a:t>A prendre en compte dans l’élaboration des solutions des projets IT</a:t>
             </a:r>
           </a:p>
           <a:p>
@@ -23483,12 +23526,28 @@
               <a:buChar char="•"/>
             </a:pPr>
             <a:r>
-              <a:rPr lang="fr-FR" sz="1050" dirty="0">
+              <a:rPr lang="fr-FR" sz="1100" dirty="0">
                 <a:solidFill>
                   <a:schemeClr val="tx1"/>
                 </a:solidFill>
               </a:rPr>
-              <a:t>Automatisation de processus pour soulager des équipes lors de pics de charges</a:t>
+              <a:t>Pour une </a:t>
+            </a:r>
+            <a:r>
+              <a:rPr lang="fr-FR" sz="1100" dirty="0" err="1">
+                <a:solidFill>
+                  <a:schemeClr val="tx1"/>
+                </a:solidFill>
+              </a:rPr>
+              <a:t>ré-évaluation</a:t>
+            </a:r>
+            <a:r>
+              <a:rPr lang="fr-FR" sz="1100" dirty="0">
+                <a:solidFill>
+                  <a:schemeClr val="tx1"/>
+                </a:solidFill>
+              </a:rPr>
+              <a:t> de projets abandonnés </a:t>
             </a:r>
           </a:p>
           <a:p>
@@ -23500,33 +23559,302 @@
               <a:buChar char="•"/>
             </a:pPr>
             <a:r>
-              <a:rPr lang="fr-FR" sz="1050" dirty="0">
+              <a:rPr lang="en-US" sz="1100" dirty="0">
                 <a:solidFill>
                   <a:schemeClr val="tx1"/>
                 </a:solidFill>
               </a:rPr>
-              <a:t>Prise en charge de travaux hors horaires, en cas d’absence de </a:t>
-            </a:r>
-            <a:r>
-              <a:rPr lang="fr-FR" sz="1050" dirty="0" smtClean="0">
+              <a:t>Interface entre les </a:t>
+            </a:r>
+            <a:r>
+              <a:rPr lang="en-US" sz="1100" dirty="0" err="1">
                 <a:solidFill>
                   <a:schemeClr val="tx1"/>
                 </a:solidFill>
               </a:rPr>
-              <a:t>ressources</a:t>
-            </a:r>
-            <a:endParaRPr lang="fr-FR" sz="1050" dirty="0">
+              <a:t>nouvelles</a:t>
+            </a:r>
+            <a:r>
+              <a:rPr lang="en-US" sz="1100" dirty="0">
+                <a:solidFill>
+                  <a:schemeClr val="tx1"/>
+                </a:solidFill>
+              </a:rPr>
+              <a:t> solutions </a:t>
+            </a:r>
+            <a:r>
+              <a:rPr lang="en-US" sz="1100" dirty="0" err="1">
+                <a:solidFill>
+                  <a:schemeClr val="tx1"/>
+                </a:solidFill>
+              </a:rPr>
+              <a:t>digitales</a:t>
+            </a:r>
+            <a:r>
+              <a:rPr lang="en-US" sz="1100" dirty="0">
+                <a:solidFill>
+                  <a:schemeClr val="tx1"/>
+                </a:solidFill>
+              </a:rPr>
+              <a:t> et le Legacy </a:t>
+            </a:r>
+            <a:r>
+              <a:rPr lang="en-US" sz="1100" dirty="0" smtClean="0">
+                <a:solidFill>
+                  <a:schemeClr val="tx1"/>
+                </a:solidFill>
+              </a:rPr>
+              <a:t>IT</a:t>
+            </a:r>
+            <a:endParaRPr lang="fr-FR" sz="1100" dirty="0">
+              <a:solidFill>
+                <a:schemeClr val="accent1"/>
+              </a:solidFill>
+            </a:endParaRPr>
+          </a:p>
+          <a:p>
+            <a:pPr marL="171450" lvl="2" indent="-171450">
+              <a:buClr>
+                <a:schemeClr val="accent1"/>
+              </a:buClr>
+              <a:buFont typeface="Arial" panose="020B0604020202020204" pitchFamily="34" charset="0"/>
+              <a:buChar char="•"/>
+            </a:pPr>
+            <a:r>
+              <a:rPr lang="fr-FR" sz="1200" b="1" dirty="0">
+                <a:solidFill>
+                  <a:schemeClr val="tx1"/>
+                </a:solidFill>
+              </a:rPr>
+              <a:t>Retour sur investissement</a:t>
+            </a:r>
+          </a:p>
+          <a:p>
+            <a:pPr lvl="2">
+              <a:buClr>
+                <a:schemeClr val="accent1"/>
+              </a:buClr>
+              <a:buFont typeface="Arial" panose="020B0604020202020204" pitchFamily="34" charset="0"/>
+              <a:buChar char="•"/>
+            </a:pPr>
+            <a:r>
+              <a:rPr lang="fr-FR" sz="1100" dirty="0">
+                <a:solidFill>
+                  <a:schemeClr val="tx1"/>
+                </a:solidFill>
+              </a:rPr>
+              <a:t>Solution peu onéreuse</a:t>
+            </a:r>
+          </a:p>
+          <a:p>
+            <a:pPr lvl="2">
+              <a:buClr>
+                <a:schemeClr val="accent1"/>
+              </a:buClr>
+              <a:buFont typeface="Arial" panose="020B0604020202020204" pitchFamily="34" charset="0"/>
+              <a:buChar char="•"/>
+            </a:pPr>
+            <a:r>
+              <a:rPr lang="fr-FR" sz="1100" dirty="0">
+                <a:solidFill>
+                  <a:schemeClr val="tx1"/>
+                </a:solidFill>
+              </a:rPr>
+              <a:t>Intégration rapide</a:t>
+            </a:r>
+          </a:p>
+          <a:p>
+            <a:pPr lvl="2">
+              <a:buClr>
+                <a:schemeClr val="accent1"/>
+              </a:buClr>
+              <a:buFont typeface="Arial" panose="020B0604020202020204" pitchFamily="34" charset="0"/>
+              <a:buChar char="•"/>
+            </a:pPr>
+            <a:r>
+              <a:rPr lang="fr-FR" sz="1100" dirty="0">
+                <a:solidFill>
+                  <a:schemeClr val="tx1"/>
+                </a:solidFill>
+              </a:rPr>
+              <a:t>Prise en main et manipulation relativement simple si on a une culture </a:t>
+            </a:r>
+            <a:r>
+              <a:rPr lang="fr-FR" sz="1100" dirty="0" err="1">
+                <a:solidFill>
+                  <a:schemeClr val="tx1"/>
+                </a:solidFill>
+              </a:rPr>
+              <a:t>process</a:t>
+            </a:r>
+            <a:r>
+              <a:rPr lang="fr-FR" sz="1100" dirty="0">
+                <a:solidFill>
+                  <a:schemeClr val="tx1"/>
+                </a:solidFill>
+              </a:rPr>
+              <a:t> et quelques connaissance en informatique</a:t>
+            </a:r>
+          </a:p>
+          <a:p>
+            <a:pPr lvl="2">
+              <a:buClr>
+                <a:schemeClr val="accent1"/>
+              </a:buClr>
+              <a:buFont typeface="Arial" panose="020B0604020202020204" pitchFamily="34" charset="0"/>
+              <a:buChar char="•"/>
+            </a:pPr>
+            <a:r>
+              <a:rPr lang="fr-FR" sz="1100" dirty="0">
+                <a:solidFill>
+                  <a:schemeClr val="tx1"/>
+                </a:solidFill>
+              </a:rPr>
+              <a:t>Volumétrie de traitement augmentée </a:t>
+            </a:r>
+          </a:p>
+          <a:p>
+            <a:pPr lvl="2">
+              <a:buClr>
+                <a:schemeClr val="accent1"/>
+              </a:buClr>
+              <a:buFont typeface="Arial" panose="020B0604020202020204" pitchFamily="34" charset="0"/>
+              <a:buChar char="•"/>
+            </a:pPr>
+            <a:r>
+              <a:rPr lang="fr-FR" sz="1100" dirty="0">
+                <a:solidFill>
+                  <a:schemeClr val="tx1"/>
+                </a:solidFill>
+              </a:rPr>
+              <a:t>Fiabilisation des données</a:t>
+            </a:r>
+          </a:p>
+          <a:p>
+            <a:pPr lvl="2">
+              <a:buClr>
+                <a:schemeClr val="accent1"/>
+              </a:buClr>
+              <a:buFont typeface="Arial" panose="020B0604020202020204" pitchFamily="34" charset="0"/>
+              <a:buChar char="•"/>
+            </a:pPr>
+            <a:r>
+              <a:rPr lang="fr-FR" sz="1100" dirty="0">
+                <a:solidFill>
+                  <a:schemeClr val="tx1"/>
+                </a:solidFill>
+              </a:rPr>
+              <a:t>Réduction des temps de </a:t>
+            </a:r>
+            <a:r>
+              <a:rPr lang="fr-FR" sz="1100" dirty="0" smtClean="0">
+                <a:solidFill>
+                  <a:schemeClr val="tx1"/>
+                </a:solidFill>
+              </a:rPr>
+              <a:t>cycle</a:t>
+            </a:r>
+            <a:endParaRPr lang="fr-FR" sz="1100" dirty="0">
+              <a:solidFill>
+                <a:schemeClr val="accent1"/>
+              </a:solidFill>
+            </a:endParaRPr>
+          </a:p>
+          <a:p>
+            <a:pPr marL="171450" lvl="2" indent="-171450">
+              <a:buClr>
+                <a:schemeClr val="accent1"/>
+              </a:buClr>
+              <a:buFont typeface="Arial" panose="020B0604020202020204" pitchFamily="34" charset="0"/>
+              <a:buChar char="•"/>
+            </a:pPr>
+            <a:r>
+              <a:rPr lang="fr-FR" sz="1200" b="1" dirty="0">
+                <a:solidFill>
+                  <a:schemeClr val="tx1"/>
+                </a:solidFill>
+              </a:rPr>
+              <a:t>Conformité</a:t>
+            </a:r>
+          </a:p>
+          <a:p>
+            <a:pPr lvl="2">
+              <a:buClr>
+                <a:schemeClr val="accent1"/>
+              </a:buClr>
+              <a:buFont typeface="Arial" panose="020B0604020202020204" pitchFamily="34" charset="0"/>
+              <a:buChar char="•"/>
+            </a:pPr>
+            <a:r>
+              <a:rPr lang="fr-FR" sz="1100" dirty="0">
+                <a:solidFill>
+                  <a:schemeClr val="tx1"/>
+                </a:solidFill>
+              </a:rPr>
+              <a:t>Solution non intrusive, peu d’impact sur l’existant IT</a:t>
+            </a:r>
+          </a:p>
+          <a:p>
+            <a:pPr lvl="2">
+              <a:buClr>
+                <a:schemeClr val="accent1"/>
+              </a:buClr>
+              <a:buFont typeface="Arial" panose="020B0604020202020204" pitchFamily="34" charset="0"/>
+              <a:buChar char="•"/>
+            </a:pPr>
+            <a:r>
+              <a:rPr lang="fr-FR" sz="1100" dirty="0">
+                <a:solidFill>
+                  <a:schemeClr val="tx1"/>
+                </a:solidFill>
+              </a:rPr>
+              <a:t>Solution entièrement </a:t>
+            </a:r>
+            <a:r>
+              <a:rPr lang="fr-FR" sz="1100" dirty="0" err="1">
+                <a:solidFill>
+                  <a:schemeClr val="tx1"/>
+                </a:solidFill>
+              </a:rPr>
+              <a:t>auditable</a:t>
+            </a:r>
+            <a:endParaRPr lang="fr-FR" sz="1100" dirty="0">
               <a:solidFill>
                 <a:schemeClr val="tx1"/>
               </a:solidFill>
             </a:endParaRPr>
+          </a:p>
+          <a:p>
+            <a:pPr lvl="2">
+              <a:buClr>
+                <a:schemeClr val="accent1"/>
+              </a:buClr>
+              <a:buFont typeface="Arial" panose="020B0604020202020204" pitchFamily="34" charset="0"/>
+              <a:buChar char="•"/>
+            </a:pPr>
+            <a:r>
+              <a:rPr lang="fr-FR" sz="1100" dirty="0" err="1">
+                <a:solidFill>
+                  <a:schemeClr val="tx1"/>
+                </a:solidFill>
+              </a:rPr>
+              <a:t>Dashboards</a:t>
+            </a:r>
+            <a:r>
+              <a:rPr lang="fr-FR" sz="1100" dirty="0">
+                <a:solidFill>
+                  <a:schemeClr val="tx1"/>
+                </a:solidFill>
+              </a:rPr>
+              <a:t> pour diriger l'activité VA </a:t>
+            </a:r>
           </a:p>
         </p:txBody>
       </p:sp>
     </p:spTree>
     <p:extLst>
       <p:ext uri="{BB962C8B-B14F-4D97-AF65-F5344CB8AC3E}">
-        <p14:creationId xmlns:p14="http://schemas.microsoft.com/office/powerpoint/2010/main" val="3855892701"/>
+        <p14:creationId xmlns:p14="http://schemas.microsoft.com/office/powerpoint/2010/main" val="2096524223"/>
       </p:ext>
     </p:extLst>
   </p:cSld>
